--- a/week_7-8/Polymorphism.pptx
+++ b/week_7-8/Polymorphism.pptx
@@ -5,12 +5,18 @@
     <p:sldMasterId id="2147483648" r:id="rId1"/>
   </p:sldMasterIdLst>
   <p:notesMasterIdLst>
-    <p:notesMasterId r:id="rId5"/>
+    <p:notesMasterId r:id="rId11"/>
   </p:notesMasterIdLst>
   <p:sldIdLst>
     <p:sldId id="257" r:id="rId2"/>
     <p:sldId id="314" r:id="rId3"/>
     <p:sldId id="315" r:id="rId4"/>
+    <p:sldId id="317" r:id="rId5"/>
+    <p:sldId id="318" r:id="rId6"/>
+    <p:sldId id="319" r:id="rId7"/>
+    <p:sldId id="321" r:id="rId8"/>
+    <p:sldId id="320" r:id="rId9"/>
+    <p:sldId id="316" r:id="rId10"/>
   </p:sldIdLst>
   <p:sldSz cx="12192000" cy="6858000"/>
   <p:notesSz cx="6858000" cy="9144000"/>
@@ -207,7 +213,7 @@
           <a:p>
             <a:fld id="{F666E1FD-E7A0-497B-BBC0-740BAAC97C64}" type="datetimeFigureOut">
               <a:rPr lang="en-PH" smtClean="0"/>
-              <a:t>04/02/2023</a:t>
+              <a:t>05/02/2023</a:t>
             </a:fld>
             <a:endParaRPr lang="en-PH"/>
           </a:p>
@@ -727,6 +733,510 @@
 </p:notes>
 </file>
 
+<file path=ppt/notesSlides/notesSlide4.xml><?xml version="1.0" encoding="utf-8"?>
+<p:notes xmlns:a="http://schemas.openxmlformats.org/drawingml/2006/main" xmlns:r="http://schemas.openxmlformats.org/officeDocument/2006/relationships" xmlns:p="http://schemas.openxmlformats.org/presentationml/2006/main">
+  <p:cSld>
+    <p:spTree>
+      <p:nvGrpSpPr>
+        <p:cNvPr id="1" name=""/>
+        <p:cNvGrpSpPr/>
+        <p:nvPr/>
+      </p:nvGrpSpPr>
+      <p:grpSpPr>
+        <a:xfrm>
+          <a:off x="0" y="0"/>
+          <a:ext cx="0" cy="0"/>
+          <a:chOff x="0" y="0"/>
+          <a:chExt cx="0" cy="0"/>
+        </a:xfrm>
+      </p:grpSpPr>
+      <p:sp>
+        <p:nvSpPr>
+          <p:cNvPr id="2" name="Slide Image Placeholder 1"/>
+          <p:cNvSpPr>
+            <a:spLocks noGrp="1" noRot="1" noChangeAspect="1"/>
+          </p:cNvSpPr>
+          <p:nvPr>
+            <p:ph type="sldImg"/>
+          </p:nvPr>
+        </p:nvSpPr>
+        <p:spPr/>
+      </p:sp>
+      <p:sp>
+        <p:nvSpPr>
+          <p:cNvPr id="3" name="Notes Placeholder 2"/>
+          <p:cNvSpPr>
+            <a:spLocks noGrp="1"/>
+          </p:cNvSpPr>
+          <p:nvPr>
+            <p:ph type="body" idx="1"/>
+          </p:nvPr>
+        </p:nvSpPr>
+        <p:spPr/>
+        <p:txBody>
+          <a:bodyPr/>
+          <a:lstStyle/>
+          <a:p>
+            <a:endParaRPr lang="en-PH" dirty="0"/>
+          </a:p>
+        </p:txBody>
+      </p:sp>
+      <p:sp>
+        <p:nvSpPr>
+          <p:cNvPr id="4" name="Slide Number Placeholder 3"/>
+          <p:cNvSpPr>
+            <a:spLocks noGrp="1"/>
+          </p:cNvSpPr>
+          <p:nvPr>
+            <p:ph type="sldNum" sz="quarter" idx="5"/>
+          </p:nvPr>
+        </p:nvSpPr>
+        <p:spPr/>
+        <p:txBody>
+          <a:bodyPr/>
+          <a:lstStyle/>
+          <a:p>
+            <a:fld id="{FE90CCE9-4AAE-4E1F-85AD-521A406D6524}" type="slidenum">
+              <a:rPr lang="en-PH" smtClean="0"/>
+              <a:t>4</a:t>
+            </a:fld>
+            <a:endParaRPr lang="en-PH"/>
+          </a:p>
+        </p:txBody>
+      </p:sp>
+    </p:spTree>
+    <p:extLst>
+      <p:ext uri="{BB962C8B-B14F-4D97-AF65-F5344CB8AC3E}">
+        <p14:creationId xmlns:p14="http://schemas.microsoft.com/office/powerpoint/2010/main" val="562944505"/>
+      </p:ext>
+    </p:extLst>
+  </p:cSld>
+  <p:clrMapOvr>
+    <a:masterClrMapping/>
+  </p:clrMapOvr>
+</p:notes>
+</file>
+
+<file path=ppt/notesSlides/notesSlide5.xml><?xml version="1.0" encoding="utf-8"?>
+<p:notes xmlns:a="http://schemas.openxmlformats.org/drawingml/2006/main" xmlns:r="http://schemas.openxmlformats.org/officeDocument/2006/relationships" xmlns:p="http://schemas.openxmlformats.org/presentationml/2006/main">
+  <p:cSld>
+    <p:spTree>
+      <p:nvGrpSpPr>
+        <p:cNvPr id="1" name=""/>
+        <p:cNvGrpSpPr/>
+        <p:nvPr/>
+      </p:nvGrpSpPr>
+      <p:grpSpPr>
+        <a:xfrm>
+          <a:off x="0" y="0"/>
+          <a:ext cx="0" cy="0"/>
+          <a:chOff x="0" y="0"/>
+          <a:chExt cx="0" cy="0"/>
+        </a:xfrm>
+      </p:grpSpPr>
+      <p:sp>
+        <p:nvSpPr>
+          <p:cNvPr id="2" name="Slide Image Placeholder 1"/>
+          <p:cNvSpPr>
+            <a:spLocks noGrp="1" noRot="1" noChangeAspect="1"/>
+          </p:cNvSpPr>
+          <p:nvPr>
+            <p:ph type="sldImg"/>
+          </p:nvPr>
+        </p:nvSpPr>
+        <p:spPr/>
+      </p:sp>
+      <p:sp>
+        <p:nvSpPr>
+          <p:cNvPr id="3" name="Notes Placeholder 2"/>
+          <p:cNvSpPr>
+            <a:spLocks noGrp="1"/>
+          </p:cNvSpPr>
+          <p:nvPr>
+            <p:ph type="body" idx="1"/>
+          </p:nvPr>
+        </p:nvSpPr>
+        <p:spPr/>
+        <p:txBody>
+          <a:bodyPr/>
+          <a:lstStyle/>
+          <a:p>
+            <a:endParaRPr lang="en-PH" dirty="0"/>
+          </a:p>
+        </p:txBody>
+      </p:sp>
+      <p:sp>
+        <p:nvSpPr>
+          <p:cNvPr id="4" name="Slide Number Placeholder 3"/>
+          <p:cNvSpPr>
+            <a:spLocks noGrp="1"/>
+          </p:cNvSpPr>
+          <p:nvPr>
+            <p:ph type="sldNum" sz="quarter" idx="5"/>
+          </p:nvPr>
+        </p:nvSpPr>
+        <p:spPr/>
+        <p:txBody>
+          <a:bodyPr/>
+          <a:lstStyle/>
+          <a:p>
+            <a:fld id="{FE90CCE9-4AAE-4E1F-85AD-521A406D6524}" type="slidenum">
+              <a:rPr lang="en-PH" smtClean="0"/>
+              <a:t>5</a:t>
+            </a:fld>
+            <a:endParaRPr lang="en-PH"/>
+          </a:p>
+        </p:txBody>
+      </p:sp>
+    </p:spTree>
+    <p:extLst>
+      <p:ext uri="{BB962C8B-B14F-4D97-AF65-F5344CB8AC3E}">
+        <p14:creationId xmlns:p14="http://schemas.microsoft.com/office/powerpoint/2010/main" val="2612266164"/>
+      </p:ext>
+    </p:extLst>
+  </p:cSld>
+  <p:clrMapOvr>
+    <a:masterClrMapping/>
+  </p:clrMapOvr>
+</p:notes>
+</file>
+
+<file path=ppt/notesSlides/notesSlide6.xml><?xml version="1.0" encoding="utf-8"?>
+<p:notes xmlns:a="http://schemas.openxmlformats.org/drawingml/2006/main" xmlns:r="http://schemas.openxmlformats.org/officeDocument/2006/relationships" xmlns:p="http://schemas.openxmlformats.org/presentationml/2006/main">
+  <p:cSld>
+    <p:spTree>
+      <p:nvGrpSpPr>
+        <p:cNvPr id="1" name=""/>
+        <p:cNvGrpSpPr/>
+        <p:nvPr/>
+      </p:nvGrpSpPr>
+      <p:grpSpPr>
+        <a:xfrm>
+          <a:off x="0" y="0"/>
+          <a:ext cx="0" cy="0"/>
+          <a:chOff x="0" y="0"/>
+          <a:chExt cx="0" cy="0"/>
+        </a:xfrm>
+      </p:grpSpPr>
+      <p:sp>
+        <p:nvSpPr>
+          <p:cNvPr id="2" name="Slide Image Placeholder 1"/>
+          <p:cNvSpPr>
+            <a:spLocks noGrp="1" noRot="1" noChangeAspect="1"/>
+          </p:cNvSpPr>
+          <p:nvPr>
+            <p:ph type="sldImg"/>
+          </p:nvPr>
+        </p:nvSpPr>
+        <p:spPr/>
+      </p:sp>
+      <p:sp>
+        <p:nvSpPr>
+          <p:cNvPr id="3" name="Notes Placeholder 2"/>
+          <p:cNvSpPr>
+            <a:spLocks noGrp="1"/>
+          </p:cNvSpPr>
+          <p:nvPr>
+            <p:ph type="body" idx="1"/>
+          </p:nvPr>
+        </p:nvSpPr>
+        <p:spPr/>
+        <p:txBody>
+          <a:bodyPr/>
+          <a:lstStyle/>
+          <a:p>
+            <a:endParaRPr lang="en-PH" dirty="0"/>
+          </a:p>
+        </p:txBody>
+      </p:sp>
+      <p:sp>
+        <p:nvSpPr>
+          <p:cNvPr id="4" name="Slide Number Placeholder 3"/>
+          <p:cNvSpPr>
+            <a:spLocks noGrp="1"/>
+          </p:cNvSpPr>
+          <p:nvPr>
+            <p:ph type="sldNum" sz="quarter" idx="5"/>
+          </p:nvPr>
+        </p:nvSpPr>
+        <p:spPr/>
+        <p:txBody>
+          <a:bodyPr/>
+          <a:lstStyle/>
+          <a:p>
+            <a:fld id="{FE90CCE9-4AAE-4E1F-85AD-521A406D6524}" type="slidenum">
+              <a:rPr lang="en-PH" smtClean="0"/>
+              <a:t>6</a:t>
+            </a:fld>
+            <a:endParaRPr lang="en-PH"/>
+          </a:p>
+        </p:txBody>
+      </p:sp>
+    </p:spTree>
+    <p:extLst>
+      <p:ext uri="{BB962C8B-B14F-4D97-AF65-F5344CB8AC3E}">
+        <p14:creationId xmlns:p14="http://schemas.microsoft.com/office/powerpoint/2010/main" val="2548155993"/>
+      </p:ext>
+    </p:extLst>
+  </p:cSld>
+  <p:clrMapOvr>
+    <a:masterClrMapping/>
+  </p:clrMapOvr>
+</p:notes>
+</file>
+
+<file path=ppt/notesSlides/notesSlide7.xml><?xml version="1.0" encoding="utf-8"?>
+<p:notes xmlns:a="http://schemas.openxmlformats.org/drawingml/2006/main" xmlns:r="http://schemas.openxmlformats.org/officeDocument/2006/relationships" xmlns:p="http://schemas.openxmlformats.org/presentationml/2006/main">
+  <p:cSld>
+    <p:spTree>
+      <p:nvGrpSpPr>
+        <p:cNvPr id="1" name=""/>
+        <p:cNvGrpSpPr/>
+        <p:nvPr/>
+      </p:nvGrpSpPr>
+      <p:grpSpPr>
+        <a:xfrm>
+          <a:off x="0" y="0"/>
+          <a:ext cx="0" cy="0"/>
+          <a:chOff x="0" y="0"/>
+          <a:chExt cx="0" cy="0"/>
+        </a:xfrm>
+      </p:grpSpPr>
+      <p:sp>
+        <p:nvSpPr>
+          <p:cNvPr id="2" name="Slide Image Placeholder 1"/>
+          <p:cNvSpPr>
+            <a:spLocks noGrp="1" noRot="1" noChangeAspect="1"/>
+          </p:cNvSpPr>
+          <p:nvPr>
+            <p:ph type="sldImg"/>
+          </p:nvPr>
+        </p:nvSpPr>
+        <p:spPr/>
+      </p:sp>
+      <p:sp>
+        <p:nvSpPr>
+          <p:cNvPr id="3" name="Notes Placeholder 2"/>
+          <p:cNvSpPr>
+            <a:spLocks noGrp="1"/>
+          </p:cNvSpPr>
+          <p:nvPr>
+            <p:ph type="body" idx="1"/>
+          </p:nvPr>
+        </p:nvSpPr>
+        <p:spPr/>
+        <p:txBody>
+          <a:bodyPr/>
+          <a:lstStyle/>
+          <a:p>
+            <a:endParaRPr lang="en-PH" dirty="0"/>
+          </a:p>
+        </p:txBody>
+      </p:sp>
+      <p:sp>
+        <p:nvSpPr>
+          <p:cNvPr id="4" name="Slide Number Placeholder 3"/>
+          <p:cNvSpPr>
+            <a:spLocks noGrp="1"/>
+          </p:cNvSpPr>
+          <p:nvPr>
+            <p:ph type="sldNum" sz="quarter" idx="5"/>
+          </p:nvPr>
+        </p:nvSpPr>
+        <p:spPr/>
+        <p:txBody>
+          <a:bodyPr/>
+          <a:lstStyle/>
+          <a:p>
+            <a:fld id="{FE90CCE9-4AAE-4E1F-85AD-521A406D6524}" type="slidenum">
+              <a:rPr lang="en-PH" smtClean="0"/>
+              <a:t>7</a:t>
+            </a:fld>
+            <a:endParaRPr lang="en-PH"/>
+          </a:p>
+        </p:txBody>
+      </p:sp>
+    </p:spTree>
+    <p:extLst>
+      <p:ext uri="{BB962C8B-B14F-4D97-AF65-F5344CB8AC3E}">
+        <p14:creationId xmlns:p14="http://schemas.microsoft.com/office/powerpoint/2010/main" val="3727524062"/>
+      </p:ext>
+    </p:extLst>
+  </p:cSld>
+  <p:clrMapOvr>
+    <a:masterClrMapping/>
+  </p:clrMapOvr>
+</p:notes>
+</file>
+
+<file path=ppt/notesSlides/notesSlide8.xml><?xml version="1.0" encoding="utf-8"?>
+<p:notes xmlns:a="http://schemas.openxmlformats.org/drawingml/2006/main" xmlns:r="http://schemas.openxmlformats.org/officeDocument/2006/relationships" xmlns:p="http://schemas.openxmlformats.org/presentationml/2006/main">
+  <p:cSld>
+    <p:spTree>
+      <p:nvGrpSpPr>
+        <p:cNvPr id="1" name=""/>
+        <p:cNvGrpSpPr/>
+        <p:nvPr/>
+      </p:nvGrpSpPr>
+      <p:grpSpPr>
+        <a:xfrm>
+          <a:off x="0" y="0"/>
+          <a:ext cx="0" cy="0"/>
+          <a:chOff x="0" y="0"/>
+          <a:chExt cx="0" cy="0"/>
+        </a:xfrm>
+      </p:grpSpPr>
+      <p:sp>
+        <p:nvSpPr>
+          <p:cNvPr id="2" name="Slide Image Placeholder 1"/>
+          <p:cNvSpPr>
+            <a:spLocks noGrp="1" noRot="1" noChangeAspect="1"/>
+          </p:cNvSpPr>
+          <p:nvPr>
+            <p:ph type="sldImg"/>
+          </p:nvPr>
+        </p:nvSpPr>
+        <p:spPr/>
+      </p:sp>
+      <p:sp>
+        <p:nvSpPr>
+          <p:cNvPr id="3" name="Notes Placeholder 2"/>
+          <p:cNvSpPr>
+            <a:spLocks noGrp="1"/>
+          </p:cNvSpPr>
+          <p:nvPr>
+            <p:ph type="body" idx="1"/>
+          </p:nvPr>
+        </p:nvSpPr>
+        <p:spPr/>
+        <p:txBody>
+          <a:bodyPr/>
+          <a:lstStyle/>
+          <a:p>
+            <a:endParaRPr lang="en-PH" dirty="0"/>
+          </a:p>
+        </p:txBody>
+      </p:sp>
+      <p:sp>
+        <p:nvSpPr>
+          <p:cNvPr id="4" name="Slide Number Placeholder 3"/>
+          <p:cNvSpPr>
+            <a:spLocks noGrp="1"/>
+          </p:cNvSpPr>
+          <p:nvPr>
+            <p:ph type="sldNum" sz="quarter" idx="5"/>
+          </p:nvPr>
+        </p:nvSpPr>
+        <p:spPr/>
+        <p:txBody>
+          <a:bodyPr/>
+          <a:lstStyle/>
+          <a:p>
+            <a:fld id="{FE90CCE9-4AAE-4E1F-85AD-521A406D6524}" type="slidenum">
+              <a:rPr lang="en-PH" smtClean="0"/>
+              <a:t>8</a:t>
+            </a:fld>
+            <a:endParaRPr lang="en-PH"/>
+          </a:p>
+        </p:txBody>
+      </p:sp>
+    </p:spTree>
+    <p:extLst>
+      <p:ext uri="{BB962C8B-B14F-4D97-AF65-F5344CB8AC3E}">
+        <p14:creationId xmlns:p14="http://schemas.microsoft.com/office/powerpoint/2010/main" val="3225885357"/>
+      </p:ext>
+    </p:extLst>
+  </p:cSld>
+  <p:clrMapOvr>
+    <a:masterClrMapping/>
+  </p:clrMapOvr>
+</p:notes>
+</file>
+
+<file path=ppt/notesSlides/notesSlide9.xml><?xml version="1.0" encoding="utf-8"?>
+<p:notes xmlns:a="http://schemas.openxmlformats.org/drawingml/2006/main" xmlns:r="http://schemas.openxmlformats.org/officeDocument/2006/relationships" xmlns:p="http://schemas.openxmlformats.org/presentationml/2006/main">
+  <p:cSld>
+    <p:spTree>
+      <p:nvGrpSpPr>
+        <p:cNvPr id="1" name=""/>
+        <p:cNvGrpSpPr/>
+        <p:nvPr/>
+      </p:nvGrpSpPr>
+      <p:grpSpPr>
+        <a:xfrm>
+          <a:off x="0" y="0"/>
+          <a:ext cx="0" cy="0"/>
+          <a:chOff x="0" y="0"/>
+          <a:chExt cx="0" cy="0"/>
+        </a:xfrm>
+      </p:grpSpPr>
+      <p:sp>
+        <p:nvSpPr>
+          <p:cNvPr id="2" name="Slide Image Placeholder 1"/>
+          <p:cNvSpPr>
+            <a:spLocks noGrp="1" noRot="1" noChangeAspect="1"/>
+          </p:cNvSpPr>
+          <p:nvPr>
+            <p:ph type="sldImg"/>
+          </p:nvPr>
+        </p:nvSpPr>
+        <p:spPr/>
+      </p:sp>
+      <p:sp>
+        <p:nvSpPr>
+          <p:cNvPr id="3" name="Notes Placeholder 2"/>
+          <p:cNvSpPr>
+            <a:spLocks noGrp="1"/>
+          </p:cNvSpPr>
+          <p:nvPr>
+            <p:ph type="body" idx="1"/>
+          </p:nvPr>
+        </p:nvSpPr>
+        <p:spPr/>
+        <p:txBody>
+          <a:bodyPr/>
+          <a:lstStyle/>
+          <a:p>
+            <a:endParaRPr lang="en-PH" dirty="0"/>
+          </a:p>
+        </p:txBody>
+      </p:sp>
+      <p:sp>
+        <p:nvSpPr>
+          <p:cNvPr id="4" name="Slide Number Placeholder 3"/>
+          <p:cNvSpPr>
+            <a:spLocks noGrp="1"/>
+          </p:cNvSpPr>
+          <p:nvPr>
+            <p:ph type="sldNum" sz="quarter" idx="5"/>
+          </p:nvPr>
+        </p:nvSpPr>
+        <p:spPr/>
+        <p:txBody>
+          <a:bodyPr/>
+          <a:lstStyle/>
+          <a:p>
+            <a:fld id="{FE90CCE9-4AAE-4E1F-85AD-521A406D6524}" type="slidenum">
+              <a:rPr lang="en-PH" smtClean="0"/>
+              <a:t>9</a:t>
+            </a:fld>
+            <a:endParaRPr lang="en-PH"/>
+          </a:p>
+        </p:txBody>
+      </p:sp>
+    </p:spTree>
+    <p:extLst>
+      <p:ext uri="{BB962C8B-B14F-4D97-AF65-F5344CB8AC3E}">
+        <p14:creationId xmlns:p14="http://schemas.microsoft.com/office/powerpoint/2010/main" val="751778532"/>
+      </p:ext>
+    </p:extLst>
+  </p:cSld>
+  <p:clrMapOvr>
+    <a:masterClrMapping/>
+  </p:clrMapOvr>
+</p:notes>
+</file>
+
 <file path=ppt/slideLayouts/slideLayout1.xml><?xml version="1.0" encoding="utf-8"?>
 <p:sldLayout xmlns:a="http://schemas.openxmlformats.org/drawingml/2006/main" xmlns:r="http://schemas.openxmlformats.org/officeDocument/2006/relationships" xmlns:p="http://schemas.openxmlformats.org/presentationml/2006/main" type="title" preserve="1">
   <p:cSld name="Title Slide">
@@ -876,7 +1386,7 @@
           <a:p>
             <a:fld id="{0CCF0B81-6BD8-4C65-9459-815598C5F1F4}" type="datetimeFigureOut">
               <a:rPr lang="en-PH" smtClean="0"/>
-              <a:t>04/02/2023</a:t>
+              <a:t>05/02/2023</a:t>
             </a:fld>
             <a:endParaRPr lang="en-PH"/>
           </a:p>
@@ -1076,7 +1586,7 @@
           <a:p>
             <a:fld id="{0CCF0B81-6BD8-4C65-9459-815598C5F1F4}" type="datetimeFigureOut">
               <a:rPr lang="en-PH" smtClean="0"/>
-              <a:t>04/02/2023</a:t>
+              <a:t>05/02/2023</a:t>
             </a:fld>
             <a:endParaRPr lang="en-PH"/>
           </a:p>
@@ -1286,7 +1796,7 @@
           <a:p>
             <a:fld id="{0CCF0B81-6BD8-4C65-9459-815598C5F1F4}" type="datetimeFigureOut">
               <a:rPr lang="en-PH" smtClean="0"/>
-              <a:t>04/02/2023</a:t>
+              <a:t>05/02/2023</a:t>
             </a:fld>
             <a:endParaRPr lang="en-PH"/>
           </a:p>
@@ -1486,7 +1996,7 @@
           <a:p>
             <a:fld id="{0CCF0B81-6BD8-4C65-9459-815598C5F1F4}" type="datetimeFigureOut">
               <a:rPr lang="en-PH" smtClean="0"/>
-              <a:t>04/02/2023</a:t>
+              <a:t>05/02/2023</a:t>
             </a:fld>
             <a:endParaRPr lang="en-PH"/>
           </a:p>
@@ -1762,7 +2272,7 @@
           <a:p>
             <a:fld id="{0CCF0B81-6BD8-4C65-9459-815598C5F1F4}" type="datetimeFigureOut">
               <a:rPr lang="en-PH" smtClean="0"/>
-              <a:t>04/02/2023</a:t>
+              <a:t>05/02/2023</a:t>
             </a:fld>
             <a:endParaRPr lang="en-PH"/>
           </a:p>
@@ -2030,7 +2540,7 @@
           <a:p>
             <a:fld id="{0CCF0B81-6BD8-4C65-9459-815598C5F1F4}" type="datetimeFigureOut">
               <a:rPr lang="en-PH" smtClean="0"/>
-              <a:t>04/02/2023</a:t>
+              <a:t>05/02/2023</a:t>
             </a:fld>
             <a:endParaRPr lang="en-PH"/>
           </a:p>
@@ -2445,7 +2955,7 @@
           <a:p>
             <a:fld id="{0CCF0B81-6BD8-4C65-9459-815598C5F1F4}" type="datetimeFigureOut">
               <a:rPr lang="en-PH" smtClean="0"/>
-              <a:t>04/02/2023</a:t>
+              <a:t>05/02/2023</a:t>
             </a:fld>
             <a:endParaRPr lang="en-PH"/>
           </a:p>
@@ -2587,7 +3097,7 @@
           <a:p>
             <a:fld id="{0CCF0B81-6BD8-4C65-9459-815598C5F1F4}" type="datetimeFigureOut">
               <a:rPr lang="en-PH" smtClean="0"/>
-              <a:t>04/02/2023</a:t>
+              <a:t>05/02/2023</a:t>
             </a:fld>
             <a:endParaRPr lang="en-PH"/>
           </a:p>
@@ -2700,7 +3210,7 @@
           <a:p>
             <a:fld id="{0CCF0B81-6BD8-4C65-9459-815598C5F1F4}" type="datetimeFigureOut">
               <a:rPr lang="en-PH" smtClean="0"/>
-              <a:t>04/02/2023</a:t>
+              <a:t>05/02/2023</a:t>
             </a:fld>
             <a:endParaRPr lang="en-PH"/>
           </a:p>
@@ -3013,7 +3523,7 @@
           <a:p>
             <a:fld id="{0CCF0B81-6BD8-4C65-9459-815598C5F1F4}" type="datetimeFigureOut">
               <a:rPr lang="en-PH" smtClean="0"/>
-              <a:t>04/02/2023</a:t>
+              <a:t>05/02/2023</a:t>
             </a:fld>
             <a:endParaRPr lang="en-PH"/>
           </a:p>
@@ -3302,7 +3812,7 @@
           <a:p>
             <a:fld id="{0CCF0B81-6BD8-4C65-9459-815598C5F1F4}" type="datetimeFigureOut">
               <a:rPr lang="en-PH" smtClean="0"/>
-              <a:t>04/02/2023</a:t>
+              <a:t>05/02/2023</a:t>
             </a:fld>
             <a:endParaRPr lang="en-PH"/>
           </a:p>
@@ -3545,7 +4055,7 @@
           <a:p>
             <a:fld id="{0CCF0B81-6BD8-4C65-9459-815598C5F1F4}" type="datetimeFigureOut">
               <a:rPr lang="en-PH" smtClean="0"/>
-              <a:t>04/02/2023</a:t>
+              <a:t>05/02/2023</a:t>
             </a:fld>
             <a:endParaRPr lang="en-PH"/>
           </a:p>
@@ -4430,7 +4940,26 @@
                 <a:effectLst/>
                 <a:latin typeface="Calibri (Body)"/>
               </a:rPr>
-              <a:t>Polymorphism allows us to perform a single action in different ways.</a:t>
+              <a:t>Polymorphism allows </a:t>
+            </a:r>
+            <a:r>
+              <a:rPr lang="en-US" sz="2500" dirty="0">
+                <a:solidFill>
+                  <a:srgbClr val="273239"/>
+                </a:solidFill>
+                <a:latin typeface="Calibri (Body)"/>
+              </a:rPr>
+              <a:t>an entity (method, operator, object)</a:t>
+            </a:r>
+            <a:r>
+              <a:rPr lang="en-US" sz="2500" b="0" i="0" dirty="0">
+                <a:solidFill>
+                  <a:srgbClr val="273239"/>
+                </a:solidFill>
+                <a:effectLst/>
+                <a:latin typeface="Calibri (Body)"/>
+              </a:rPr>
+              <a:t> to perform a single action in different ways.</a:t>
             </a:r>
             <a:endParaRPr lang="en-US" sz="2500" dirty="0">
               <a:solidFill>
@@ -5705,6 +6234,4667 @@
 </p:sld>
 </file>
 
+<file path=ppt/slides/slide4.xml><?xml version="1.0" encoding="utf-8"?>
+<p:sld xmlns:a="http://schemas.openxmlformats.org/drawingml/2006/main" xmlns:r="http://schemas.openxmlformats.org/officeDocument/2006/relationships" xmlns:p="http://schemas.openxmlformats.org/presentationml/2006/main">
+  <p:cSld>
+    <p:bg>
+      <p:bgPr>
+        <a:blipFill dpi="0" rotWithShape="1">
+          <a:blip r:embed="rId3">
+            <a:alphaModFix amt="99000"/>
+            <a:lum/>
+          </a:blip>
+          <a:srcRect/>
+          <a:stretch>
+            <a:fillRect t="89000" r="85000" b="-1000"/>
+          </a:stretch>
+        </a:blipFill>
+        <a:effectLst/>
+      </p:bgPr>
+    </p:bg>
+    <p:spTree>
+      <p:nvGrpSpPr>
+        <p:cNvPr id="1" name=""/>
+        <p:cNvGrpSpPr/>
+        <p:nvPr/>
+      </p:nvGrpSpPr>
+      <p:grpSpPr>
+        <a:xfrm>
+          <a:off x="0" y="0"/>
+          <a:ext cx="0" cy="0"/>
+          <a:chOff x="0" y="0"/>
+          <a:chExt cx="0" cy="0"/>
+        </a:xfrm>
+      </p:grpSpPr>
+      <p:sp>
+        <p:nvSpPr>
+          <p:cNvPr id="2" name="Title 1">
+            <a:extLst>
+              <a:ext uri="{FF2B5EF4-FFF2-40B4-BE49-F238E27FC236}">
+                <a16:creationId xmlns:a16="http://schemas.microsoft.com/office/drawing/2014/main" id="{6A3DCE86-C2BA-4713-9E7A-73589E8D6CCF}"/>
+              </a:ext>
+            </a:extLst>
+          </p:cNvPr>
+          <p:cNvSpPr>
+            <a:spLocks noGrp="1"/>
+          </p:cNvSpPr>
+          <p:nvPr>
+            <p:ph type="ctrTitle"/>
+          </p:nvPr>
+        </p:nvSpPr>
+        <p:spPr>
+          <a:xfrm>
+            <a:off x="1524000" y="497150"/>
+            <a:ext cx="9144000" cy="718459"/>
+          </a:xfrm>
+        </p:spPr>
+        <p:txBody>
+          <a:bodyPr>
+            <a:normAutofit fontScale="90000"/>
+          </a:bodyPr>
+          <a:lstStyle/>
+          <a:p>
+            <a:r>
+              <a:rPr lang="en-PH" b="1" dirty="0"/>
+              <a:t>Forms of Polymorphism</a:t>
+            </a:r>
+          </a:p>
+        </p:txBody>
+      </p:sp>
+      <p:sp>
+        <p:nvSpPr>
+          <p:cNvPr id="4" name="Footer Placeholder 3">
+            <a:extLst>
+              <a:ext uri="{FF2B5EF4-FFF2-40B4-BE49-F238E27FC236}">
+                <a16:creationId xmlns:a16="http://schemas.microsoft.com/office/drawing/2014/main" id="{638E7DE1-45EE-476A-A474-0F3C264AEDA3}"/>
+              </a:ext>
+            </a:extLst>
+          </p:cNvPr>
+          <p:cNvSpPr>
+            <a:spLocks noGrp="1"/>
+          </p:cNvSpPr>
+          <p:nvPr>
+            <p:ph type="ftr" sz="quarter" idx="11"/>
+          </p:nvPr>
+        </p:nvSpPr>
+        <p:spPr>
+          <a:xfrm>
+            <a:off x="0" y="6139541"/>
+            <a:ext cx="12192000" cy="718459"/>
+          </a:xfrm>
+          <a:ln w="28575">
+            <a:solidFill>
+              <a:schemeClr val="accent5">
+                <a:lumMod val="50000"/>
+              </a:schemeClr>
+            </a:solidFill>
+          </a:ln>
+        </p:spPr>
+        <p:txBody>
+          <a:bodyPr/>
+          <a:lstStyle/>
+          <a:p>
+            <a:pPr algn="r"/>
+            <a:r>
+              <a:rPr lang="en-PH" b="1" dirty="0">
+                <a:solidFill>
+                  <a:schemeClr val="tx1"/>
+                </a:solidFill>
+              </a:rPr>
+              <a:t>CCPRGG2L</a:t>
+            </a:r>
+            <a:endParaRPr lang="en-PH" dirty="0"/>
+          </a:p>
+        </p:txBody>
+      </p:sp>
+      <p:sp>
+        <p:nvSpPr>
+          <p:cNvPr id="5" name="Title 1">
+            <a:extLst>
+              <a:ext uri="{FF2B5EF4-FFF2-40B4-BE49-F238E27FC236}">
+                <a16:creationId xmlns:a16="http://schemas.microsoft.com/office/drawing/2014/main" id="{3444037F-B658-D82C-5DCA-53E8AA1493D7}"/>
+              </a:ext>
+            </a:extLst>
+          </p:cNvPr>
+          <p:cNvSpPr txBox="1">
+            <a:spLocks/>
+          </p:cNvSpPr>
+          <p:nvPr/>
+        </p:nvSpPr>
+        <p:spPr>
+          <a:xfrm>
+            <a:off x="1524000" y="1215609"/>
+            <a:ext cx="9144000" cy="4290585"/>
+          </a:xfrm>
+          <a:prstGeom prst="rect">
+            <a:avLst/>
+          </a:prstGeom>
+        </p:spPr>
+        <p:txBody>
+          <a:bodyPr vert="horz" lIns="91440" tIns="45720" rIns="91440" bIns="45720" rtlCol="0" anchor="b">
+            <a:noAutofit/>
+          </a:bodyPr>
+          <a:lstStyle>
+            <a:lvl1pPr algn="ctr" defTabSz="914400" rtl="0" eaLnBrk="1" latinLnBrk="0" hangingPunct="1">
+              <a:lnSpc>
+                <a:spcPct val="90000"/>
+              </a:lnSpc>
+              <a:spcBef>
+                <a:spcPct val="0"/>
+              </a:spcBef>
+              <a:buNone/>
+              <a:defRPr sz="6000" kern="1200">
+                <a:solidFill>
+                  <a:schemeClr val="tx1"/>
+                </a:solidFill>
+                <a:latin typeface="+mj-lt"/>
+                <a:ea typeface="+mj-ea"/>
+                <a:cs typeface="+mj-cs"/>
+              </a:defRPr>
+            </a:lvl1pPr>
+          </a:lstStyle>
+          <a:p>
+            <a:pPr marL="457200" indent="-457200" algn="l">
+              <a:buFont typeface="Wingdings" panose="05000000000000000000" pitchFamily="2" charset="2"/>
+              <a:buChar char="q"/>
+            </a:pPr>
+            <a:r>
+              <a:rPr lang="en-US" sz="2000" b="1" i="0" dirty="0">
+                <a:effectLst/>
+                <a:latin typeface="Calibri (Body)"/>
+              </a:rPr>
+              <a:t>Method Overriding. </a:t>
+            </a:r>
+          </a:p>
+          <a:p>
+            <a:pPr algn="l"/>
+            <a:r>
+              <a:rPr lang="en-US" sz="2000" dirty="0">
+                <a:latin typeface="Calibri (Body)"/>
+              </a:rPr>
+              <a:t>Occurs when </a:t>
+            </a:r>
+            <a:r>
+              <a:rPr lang="en-US" sz="2000" b="0" i="0" dirty="0">
+                <a:effectLst/>
+                <a:latin typeface="Calibri (Body)"/>
+              </a:rPr>
+              <a:t>a subclass or a child class has the same method as declared in the parent class.</a:t>
+            </a:r>
+          </a:p>
+          <a:p>
+            <a:pPr algn="l"/>
+            <a:endParaRPr lang="en-US" sz="2000" b="1" dirty="0">
+              <a:latin typeface="Calibri (Body)"/>
+            </a:endParaRPr>
+          </a:p>
+          <a:p>
+            <a:pPr marL="457200" indent="-457200" algn="l">
+              <a:buFont typeface="Wingdings" panose="05000000000000000000" pitchFamily="2" charset="2"/>
+              <a:buChar char="q"/>
+            </a:pPr>
+            <a:r>
+              <a:rPr lang="en-US" sz="2000" b="1" dirty="0">
+                <a:latin typeface="Calibri (Body)"/>
+              </a:rPr>
+              <a:t>Method Overloading.</a:t>
+            </a:r>
+          </a:p>
+          <a:p>
+            <a:pPr algn="l"/>
+            <a:r>
+              <a:rPr lang="en-US" sz="2000" dirty="0">
+                <a:latin typeface="Calibri (Body)"/>
+              </a:rPr>
+              <a:t>O</a:t>
+            </a:r>
+            <a:r>
+              <a:rPr lang="en-US" sz="2000" b="0" i="0" dirty="0">
+                <a:effectLst/>
+                <a:latin typeface="Calibri (Body)"/>
+              </a:rPr>
+              <a:t>ccurs when </a:t>
+            </a:r>
+            <a:r>
+              <a:rPr lang="en-US" sz="2000" b="0" i="0" dirty="0">
+                <a:solidFill>
+                  <a:srgbClr val="273239"/>
+                </a:solidFill>
+                <a:effectLst/>
+                <a:latin typeface="Calibri (Body)"/>
+              </a:rPr>
+              <a:t>where two or more methods have the same name but have different parameters.</a:t>
+            </a:r>
+            <a:endParaRPr lang="en-US" sz="2000" dirty="0">
+              <a:latin typeface="Calibri (Body)"/>
+            </a:endParaRPr>
+          </a:p>
+          <a:p>
+            <a:pPr algn="l"/>
+            <a:endParaRPr lang="en-US" sz="2000" dirty="0">
+              <a:latin typeface="Calibri (Body)"/>
+            </a:endParaRPr>
+          </a:p>
+          <a:p>
+            <a:pPr marL="342900" indent="-342900" algn="l">
+              <a:buFont typeface="Wingdings" panose="05000000000000000000" pitchFamily="2" charset="2"/>
+              <a:buChar char="q"/>
+            </a:pPr>
+            <a:r>
+              <a:rPr lang="en-US" sz="2000" b="1" dirty="0">
+                <a:latin typeface="Calibri (Body)"/>
+              </a:rPr>
+              <a:t>Operator Overloading</a:t>
+            </a:r>
+          </a:p>
+          <a:p>
+            <a:pPr algn="l"/>
+            <a:r>
+              <a:rPr lang="en-US" sz="2000" b="0" i="0" dirty="0">
+                <a:solidFill>
+                  <a:srgbClr val="444444"/>
+                </a:solidFill>
+                <a:effectLst/>
+                <a:latin typeface="Calibri (Body)"/>
+              </a:rPr>
+              <a:t>Occurs when a</a:t>
+            </a:r>
+            <a:r>
+              <a:rPr lang="en-US" sz="2000" dirty="0">
+                <a:solidFill>
+                  <a:srgbClr val="444444"/>
+                </a:solidFill>
+                <a:latin typeface="Calibri (Body)"/>
+              </a:rPr>
+              <a:t>n operator perform different tasks. (e.g. the “+” operator)</a:t>
+            </a:r>
+          </a:p>
+          <a:p>
+            <a:pPr algn="l"/>
+            <a:endParaRPr lang="en-US" sz="2000" b="0" i="0" dirty="0">
+              <a:solidFill>
+                <a:srgbClr val="444444"/>
+              </a:solidFill>
+              <a:effectLst/>
+              <a:latin typeface="Calibri (Body)"/>
+            </a:endParaRPr>
+          </a:p>
+          <a:p>
+            <a:pPr algn="l"/>
+            <a:endParaRPr lang="en-US" sz="2000" dirty="0">
+              <a:solidFill>
+                <a:srgbClr val="444444"/>
+              </a:solidFill>
+              <a:latin typeface="Calibri (Body)"/>
+            </a:endParaRPr>
+          </a:p>
+          <a:p>
+            <a:pPr algn="l"/>
+            <a:endParaRPr lang="en-US" sz="2000" b="0" i="0" dirty="0">
+              <a:solidFill>
+                <a:srgbClr val="444444"/>
+              </a:solidFill>
+              <a:effectLst/>
+              <a:latin typeface="Calibri (Body)"/>
+            </a:endParaRPr>
+          </a:p>
+        </p:txBody>
+      </p:sp>
+    </p:spTree>
+    <p:extLst>
+      <p:ext uri="{BB962C8B-B14F-4D97-AF65-F5344CB8AC3E}">
+        <p14:creationId xmlns:p14="http://schemas.microsoft.com/office/powerpoint/2010/main" val="1873712904"/>
+      </p:ext>
+    </p:extLst>
+  </p:cSld>
+  <p:clrMapOvr>
+    <a:masterClrMapping/>
+  </p:clrMapOvr>
+</p:sld>
+</file>
+
+<file path=ppt/slides/slide5.xml><?xml version="1.0" encoding="utf-8"?>
+<p:sld xmlns:a="http://schemas.openxmlformats.org/drawingml/2006/main" xmlns:r="http://schemas.openxmlformats.org/officeDocument/2006/relationships" xmlns:p="http://schemas.openxmlformats.org/presentationml/2006/main">
+  <p:cSld>
+    <p:bg>
+      <p:bgPr>
+        <a:blipFill dpi="0" rotWithShape="1">
+          <a:blip r:embed="rId3">
+            <a:alphaModFix amt="99000"/>
+            <a:lum/>
+          </a:blip>
+          <a:srcRect/>
+          <a:stretch>
+            <a:fillRect t="89000" r="85000" b="-1000"/>
+          </a:stretch>
+        </a:blipFill>
+        <a:effectLst/>
+      </p:bgPr>
+    </p:bg>
+    <p:spTree>
+      <p:nvGrpSpPr>
+        <p:cNvPr id="1" name=""/>
+        <p:cNvGrpSpPr/>
+        <p:nvPr/>
+      </p:nvGrpSpPr>
+      <p:grpSpPr>
+        <a:xfrm>
+          <a:off x="0" y="0"/>
+          <a:ext cx="0" cy="0"/>
+          <a:chOff x="0" y="0"/>
+          <a:chExt cx="0" cy="0"/>
+        </a:xfrm>
+      </p:grpSpPr>
+      <p:sp>
+        <p:nvSpPr>
+          <p:cNvPr id="2" name="Title 1">
+            <a:extLst>
+              <a:ext uri="{FF2B5EF4-FFF2-40B4-BE49-F238E27FC236}">
+                <a16:creationId xmlns:a16="http://schemas.microsoft.com/office/drawing/2014/main" id="{6A3DCE86-C2BA-4713-9E7A-73589E8D6CCF}"/>
+              </a:ext>
+            </a:extLst>
+          </p:cNvPr>
+          <p:cNvSpPr>
+            <a:spLocks noGrp="1"/>
+          </p:cNvSpPr>
+          <p:nvPr>
+            <p:ph type="ctrTitle"/>
+          </p:nvPr>
+        </p:nvSpPr>
+        <p:spPr>
+          <a:xfrm>
+            <a:off x="1524000" y="497150"/>
+            <a:ext cx="9144000" cy="718459"/>
+          </a:xfrm>
+        </p:spPr>
+        <p:txBody>
+          <a:bodyPr>
+            <a:normAutofit fontScale="90000"/>
+          </a:bodyPr>
+          <a:lstStyle/>
+          <a:p>
+            <a:r>
+              <a:rPr lang="en-PH" b="1" dirty="0"/>
+              <a:t>Forms of Polymorphism</a:t>
+            </a:r>
+          </a:p>
+        </p:txBody>
+      </p:sp>
+      <p:sp>
+        <p:nvSpPr>
+          <p:cNvPr id="4" name="Footer Placeholder 3">
+            <a:extLst>
+              <a:ext uri="{FF2B5EF4-FFF2-40B4-BE49-F238E27FC236}">
+                <a16:creationId xmlns:a16="http://schemas.microsoft.com/office/drawing/2014/main" id="{638E7DE1-45EE-476A-A474-0F3C264AEDA3}"/>
+              </a:ext>
+            </a:extLst>
+          </p:cNvPr>
+          <p:cNvSpPr>
+            <a:spLocks noGrp="1"/>
+          </p:cNvSpPr>
+          <p:nvPr>
+            <p:ph type="ftr" sz="quarter" idx="11"/>
+          </p:nvPr>
+        </p:nvSpPr>
+        <p:spPr>
+          <a:xfrm>
+            <a:off x="0" y="6139541"/>
+            <a:ext cx="12192000" cy="718459"/>
+          </a:xfrm>
+          <a:ln w="28575">
+            <a:solidFill>
+              <a:schemeClr val="accent5">
+                <a:lumMod val="50000"/>
+              </a:schemeClr>
+            </a:solidFill>
+          </a:ln>
+        </p:spPr>
+        <p:txBody>
+          <a:bodyPr/>
+          <a:lstStyle/>
+          <a:p>
+            <a:pPr algn="r"/>
+            <a:r>
+              <a:rPr lang="en-PH" b="1" dirty="0">
+                <a:solidFill>
+                  <a:schemeClr val="tx1"/>
+                </a:solidFill>
+              </a:rPr>
+              <a:t>CCPRGG2L</a:t>
+            </a:r>
+            <a:endParaRPr lang="en-PH" dirty="0"/>
+          </a:p>
+        </p:txBody>
+      </p:sp>
+      <p:sp>
+        <p:nvSpPr>
+          <p:cNvPr id="5" name="Title 1">
+            <a:extLst>
+              <a:ext uri="{FF2B5EF4-FFF2-40B4-BE49-F238E27FC236}">
+                <a16:creationId xmlns:a16="http://schemas.microsoft.com/office/drawing/2014/main" id="{3444037F-B658-D82C-5DCA-53E8AA1493D7}"/>
+              </a:ext>
+            </a:extLst>
+          </p:cNvPr>
+          <p:cNvSpPr txBox="1">
+            <a:spLocks/>
+          </p:cNvSpPr>
+          <p:nvPr/>
+        </p:nvSpPr>
+        <p:spPr>
+          <a:xfrm>
+            <a:off x="1524000" y="1215609"/>
+            <a:ext cx="9144000" cy="4290585"/>
+          </a:xfrm>
+          <a:prstGeom prst="rect">
+            <a:avLst/>
+          </a:prstGeom>
+        </p:spPr>
+        <p:txBody>
+          <a:bodyPr vert="horz" lIns="91440" tIns="45720" rIns="91440" bIns="45720" rtlCol="0" anchor="b">
+            <a:noAutofit/>
+          </a:bodyPr>
+          <a:lstStyle>
+            <a:lvl1pPr algn="ctr" defTabSz="914400" rtl="0" eaLnBrk="1" latinLnBrk="0" hangingPunct="1">
+              <a:lnSpc>
+                <a:spcPct val="90000"/>
+              </a:lnSpc>
+              <a:spcBef>
+                <a:spcPct val="0"/>
+              </a:spcBef>
+              <a:buNone/>
+              <a:defRPr sz="6000" kern="1200">
+                <a:solidFill>
+                  <a:schemeClr val="tx1"/>
+                </a:solidFill>
+                <a:latin typeface="+mj-lt"/>
+                <a:ea typeface="+mj-ea"/>
+                <a:cs typeface="+mj-cs"/>
+              </a:defRPr>
+            </a:lvl1pPr>
+          </a:lstStyle>
+          <a:p>
+            <a:pPr marL="342900" indent="-342900" algn="l">
+              <a:buFont typeface="Wingdings" panose="05000000000000000000" pitchFamily="2" charset="2"/>
+              <a:buChar char="q"/>
+            </a:pPr>
+            <a:r>
+              <a:rPr lang="en-US" sz="2000" b="1" dirty="0">
+                <a:latin typeface="Calibri (Body)"/>
+              </a:rPr>
+              <a:t>Polymorphic Variables </a:t>
+            </a:r>
+          </a:p>
+          <a:p>
+            <a:pPr algn="l"/>
+            <a:r>
+              <a:rPr lang="en-US" sz="2000" b="0" i="0" dirty="0">
+                <a:solidFill>
+                  <a:srgbClr val="444444"/>
+                </a:solidFill>
+                <a:effectLst/>
+                <a:latin typeface="Calibri (Body)"/>
+              </a:rPr>
+              <a:t>The Polymorphic Variable is a variable that can hold values of different types during the time of execution.</a:t>
+            </a:r>
+          </a:p>
+          <a:p>
+            <a:pPr marL="342900" indent="-342900" algn="l">
+              <a:buFont typeface="Wingdings" panose="05000000000000000000" pitchFamily="2" charset="2"/>
+              <a:buChar char="q"/>
+            </a:pPr>
+            <a:endParaRPr lang="en-US" sz="2000" b="1" dirty="0">
+              <a:latin typeface="Calibri (Body)"/>
+            </a:endParaRPr>
+          </a:p>
+          <a:p>
+            <a:pPr marL="342900" indent="-342900" algn="l">
+              <a:buFont typeface="Wingdings" panose="05000000000000000000" pitchFamily="2" charset="2"/>
+              <a:buChar char="q"/>
+            </a:pPr>
+            <a:endParaRPr lang="en-US" sz="2000" b="1" dirty="0">
+              <a:latin typeface="Calibri (Body)"/>
+            </a:endParaRPr>
+          </a:p>
+          <a:p>
+            <a:pPr marL="342900" indent="-342900" algn="l">
+              <a:buFont typeface="Wingdings" panose="05000000000000000000" pitchFamily="2" charset="2"/>
+              <a:buChar char="q"/>
+            </a:pPr>
+            <a:r>
+              <a:rPr lang="en-US" sz="2000" b="1" dirty="0">
+                <a:latin typeface="Calibri (Body)"/>
+              </a:rPr>
+              <a:t>Polymorphic Parameters</a:t>
+            </a:r>
+          </a:p>
+          <a:p>
+            <a:pPr algn="l" fontAlgn="base"/>
+            <a:r>
+              <a:rPr lang="en-US" sz="2000" b="0" i="0" dirty="0">
+                <a:solidFill>
+                  <a:srgbClr val="444444"/>
+                </a:solidFill>
+                <a:effectLst/>
+                <a:latin typeface="Calibri (Body)"/>
+              </a:rPr>
+              <a:t>Occurs when a method parameter can associate with different types, and a method name can associate with different parameters and return types.</a:t>
+            </a:r>
+          </a:p>
+          <a:p>
+            <a:pPr algn="l" fontAlgn="base"/>
+            <a:endParaRPr lang="en-US" sz="2000" b="0" i="0" dirty="0">
+              <a:solidFill>
+                <a:srgbClr val="444444"/>
+              </a:solidFill>
+              <a:effectLst/>
+              <a:latin typeface="Calibri (Body)"/>
+            </a:endParaRPr>
+          </a:p>
+          <a:p>
+            <a:pPr algn="l" fontAlgn="base"/>
+            <a:endParaRPr lang="en-US" sz="2000" b="0" i="0" dirty="0">
+              <a:solidFill>
+                <a:srgbClr val="444444"/>
+              </a:solidFill>
+              <a:effectLst/>
+              <a:latin typeface="Calibri (Body)"/>
+            </a:endParaRPr>
+          </a:p>
+          <a:p>
+            <a:pPr algn="l" fontAlgn="base"/>
+            <a:endParaRPr lang="en-US" sz="2000" dirty="0">
+              <a:solidFill>
+                <a:srgbClr val="444444"/>
+              </a:solidFill>
+              <a:latin typeface="Calibri (Body)"/>
+            </a:endParaRPr>
+          </a:p>
+          <a:p>
+            <a:pPr algn="l" fontAlgn="base"/>
+            <a:endParaRPr lang="en-US" sz="2000" b="0" i="0" dirty="0">
+              <a:solidFill>
+                <a:srgbClr val="444444"/>
+              </a:solidFill>
+              <a:effectLst/>
+              <a:latin typeface="Calibri (Body)"/>
+            </a:endParaRPr>
+          </a:p>
+        </p:txBody>
+      </p:sp>
+    </p:spTree>
+    <p:extLst>
+      <p:ext uri="{BB962C8B-B14F-4D97-AF65-F5344CB8AC3E}">
+        <p14:creationId xmlns:p14="http://schemas.microsoft.com/office/powerpoint/2010/main" val="3438130870"/>
+      </p:ext>
+    </p:extLst>
+  </p:cSld>
+  <p:clrMapOvr>
+    <a:masterClrMapping/>
+  </p:clrMapOvr>
+</p:sld>
+</file>
+
+<file path=ppt/slides/slide6.xml><?xml version="1.0" encoding="utf-8"?>
+<p:sld xmlns:a="http://schemas.openxmlformats.org/drawingml/2006/main" xmlns:r="http://schemas.openxmlformats.org/officeDocument/2006/relationships" xmlns:p="http://schemas.openxmlformats.org/presentationml/2006/main">
+  <p:cSld>
+    <p:bg>
+      <p:bgPr>
+        <a:blipFill dpi="0" rotWithShape="1">
+          <a:blip r:embed="rId3">
+            <a:alphaModFix amt="99000"/>
+            <a:lum/>
+          </a:blip>
+          <a:srcRect/>
+          <a:stretch>
+            <a:fillRect t="89000" r="85000" b="-1000"/>
+          </a:stretch>
+        </a:blipFill>
+        <a:effectLst/>
+      </p:bgPr>
+    </p:bg>
+    <p:spTree>
+      <p:nvGrpSpPr>
+        <p:cNvPr id="1" name=""/>
+        <p:cNvGrpSpPr/>
+        <p:nvPr/>
+      </p:nvGrpSpPr>
+      <p:grpSpPr>
+        <a:xfrm>
+          <a:off x="0" y="0"/>
+          <a:ext cx="0" cy="0"/>
+          <a:chOff x="0" y="0"/>
+          <a:chExt cx="0" cy="0"/>
+        </a:xfrm>
+      </p:grpSpPr>
+      <p:sp>
+        <p:nvSpPr>
+          <p:cNvPr id="2" name="Title 1">
+            <a:extLst>
+              <a:ext uri="{FF2B5EF4-FFF2-40B4-BE49-F238E27FC236}">
+                <a16:creationId xmlns:a16="http://schemas.microsoft.com/office/drawing/2014/main" id="{6A3DCE86-C2BA-4713-9E7A-73589E8D6CCF}"/>
+              </a:ext>
+            </a:extLst>
+          </p:cNvPr>
+          <p:cNvSpPr>
+            <a:spLocks noGrp="1"/>
+          </p:cNvSpPr>
+          <p:nvPr>
+            <p:ph type="ctrTitle"/>
+          </p:nvPr>
+        </p:nvSpPr>
+        <p:spPr>
+          <a:xfrm>
+            <a:off x="1524000" y="497150"/>
+            <a:ext cx="9144000" cy="718459"/>
+          </a:xfrm>
+        </p:spPr>
+        <p:txBody>
+          <a:bodyPr>
+            <a:normAutofit fontScale="90000"/>
+          </a:bodyPr>
+          <a:lstStyle/>
+          <a:p>
+            <a:r>
+              <a:rPr lang="en-PH" b="1" dirty="0"/>
+              <a:t>Method Overriding</a:t>
+            </a:r>
+          </a:p>
+        </p:txBody>
+      </p:sp>
+      <p:sp>
+        <p:nvSpPr>
+          <p:cNvPr id="4" name="Footer Placeholder 3">
+            <a:extLst>
+              <a:ext uri="{FF2B5EF4-FFF2-40B4-BE49-F238E27FC236}">
+                <a16:creationId xmlns:a16="http://schemas.microsoft.com/office/drawing/2014/main" id="{638E7DE1-45EE-476A-A474-0F3C264AEDA3}"/>
+              </a:ext>
+            </a:extLst>
+          </p:cNvPr>
+          <p:cNvSpPr>
+            <a:spLocks noGrp="1"/>
+          </p:cNvSpPr>
+          <p:nvPr>
+            <p:ph type="ftr" sz="quarter" idx="11"/>
+          </p:nvPr>
+        </p:nvSpPr>
+        <p:spPr>
+          <a:xfrm>
+            <a:off x="0" y="6139541"/>
+            <a:ext cx="12192000" cy="718459"/>
+          </a:xfrm>
+          <a:ln w="28575">
+            <a:solidFill>
+              <a:schemeClr val="accent5">
+                <a:lumMod val="50000"/>
+              </a:schemeClr>
+            </a:solidFill>
+          </a:ln>
+        </p:spPr>
+        <p:txBody>
+          <a:bodyPr/>
+          <a:lstStyle/>
+          <a:p>
+            <a:pPr algn="r"/>
+            <a:r>
+              <a:rPr lang="en-PH" b="1">
+                <a:solidFill>
+                  <a:schemeClr val="tx1"/>
+                </a:solidFill>
+              </a:rPr>
+              <a:t>CCPRGG2L</a:t>
+            </a:r>
+            <a:endParaRPr lang="en-PH" dirty="0"/>
+          </a:p>
+        </p:txBody>
+      </p:sp>
+      <p:sp>
+        <p:nvSpPr>
+          <p:cNvPr id="3" name="TextBox 2">
+            <a:extLst>
+              <a:ext uri="{FF2B5EF4-FFF2-40B4-BE49-F238E27FC236}">
+                <a16:creationId xmlns:a16="http://schemas.microsoft.com/office/drawing/2014/main" id="{94EAE198-2C40-F4EB-E5E5-BEF682E7344E}"/>
+              </a:ext>
+            </a:extLst>
+          </p:cNvPr>
+          <p:cNvSpPr txBox="1"/>
+          <p:nvPr/>
+        </p:nvSpPr>
+        <p:spPr>
+          <a:xfrm>
+            <a:off x="1412310" y="1572260"/>
+            <a:ext cx="1388301" cy="323165"/>
+          </a:xfrm>
+          <a:prstGeom prst="rect">
+            <a:avLst/>
+          </a:prstGeom>
+          <a:noFill/>
+        </p:spPr>
+        <p:txBody>
+          <a:bodyPr wrap="square" rtlCol="0">
+            <a:spAutoFit/>
+          </a:bodyPr>
+          <a:lstStyle/>
+          <a:p>
+            <a:r>
+              <a:rPr lang="en-PH" sz="1500" dirty="0">
+                <a:solidFill>
+                  <a:srgbClr val="7030A0"/>
+                </a:solidFill>
+                <a:latin typeface="Consolas" panose="020B0609020204030204" pitchFamily="49" charset="0"/>
+              </a:rPr>
+              <a:t>class </a:t>
+            </a:r>
+            <a:r>
+              <a:rPr lang="en-PH" sz="1500" dirty="0">
+                <a:solidFill>
+                  <a:srgbClr val="00B0F0"/>
+                </a:solidFill>
+                <a:latin typeface="Consolas" panose="020B0609020204030204" pitchFamily="49" charset="0"/>
+              </a:rPr>
+              <a:t>Mommy</a:t>
+            </a:r>
+            <a:endParaRPr lang="en-PH" sz="1500" dirty="0">
+              <a:solidFill>
+                <a:srgbClr val="00B0F0"/>
+              </a:solidFill>
+            </a:endParaRPr>
+          </a:p>
+        </p:txBody>
+      </p:sp>
+      <p:sp>
+        <p:nvSpPr>
+          <p:cNvPr id="7" name="TextBox 6">
+            <a:extLst>
+              <a:ext uri="{FF2B5EF4-FFF2-40B4-BE49-F238E27FC236}">
+                <a16:creationId xmlns:a16="http://schemas.microsoft.com/office/drawing/2014/main" id="{AF1A3627-91D7-5E2C-DF35-5C6DE6B5194D}"/>
+              </a:ext>
+            </a:extLst>
+          </p:cNvPr>
+          <p:cNvSpPr txBox="1"/>
+          <p:nvPr/>
+        </p:nvSpPr>
+        <p:spPr>
+          <a:xfrm>
+            <a:off x="2800611" y="1572260"/>
+            <a:ext cx="376433" cy="323165"/>
+          </a:xfrm>
+          <a:prstGeom prst="rect">
+            <a:avLst/>
+          </a:prstGeom>
+          <a:noFill/>
+        </p:spPr>
+        <p:txBody>
+          <a:bodyPr wrap="square" rtlCol="0">
+            <a:spAutoFit/>
+          </a:bodyPr>
+          <a:lstStyle/>
+          <a:p>
+            <a:r>
+              <a:rPr lang="en-PH" sz="1500" dirty="0">
+                <a:latin typeface="Consolas" panose="020B0609020204030204" pitchFamily="49" charset="0"/>
+              </a:rPr>
+              <a:t>{</a:t>
+            </a:r>
+            <a:endParaRPr lang="en-PH" sz="1500" dirty="0"/>
+          </a:p>
+        </p:txBody>
+      </p:sp>
+      <p:sp>
+        <p:nvSpPr>
+          <p:cNvPr id="9" name="TextBox 8">
+            <a:extLst>
+              <a:ext uri="{FF2B5EF4-FFF2-40B4-BE49-F238E27FC236}">
+                <a16:creationId xmlns:a16="http://schemas.microsoft.com/office/drawing/2014/main" id="{42FD2795-6077-49C2-F560-DD966EAEA432}"/>
+              </a:ext>
+            </a:extLst>
+          </p:cNvPr>
+          <p:cNvSpPr txBox="1"/>
+          <p:nvPr/>
+        </p:nvSpPr>
+        <p:spPr>
+          <a:xfrm>
+            <a:off x="1412310" y="3031071"/>
+            <a:ext cx="375781" cy="323165"/>
+          </a:xfrm>
+          <a:prstGeom prst="rect">
+            <a:avLst/>
+          </a:prstGeom>
+          <a:noFill/>
+        </p:spPr>
+        <p:txBody>
+          <a:bodyPr wrap="square" rtlCol="0">
+            <a:spAutoFit/>
+          </a:bodyPr>
+          <a:lstStyle/>
+          <a:p>
+            <a:r>
+              <a:rPr lang="en-PH" sz="1500" dirty="0">
+                <a:latin typeface="Consolas" panose="020B0609020204030204" pitchFamily="49" charset="0"/>
+              </a:rPr>
+              <a:t>}</a:t>
+            </a:r>
+            <a:endParaRPr lang="en-PH" sz="1500" dirty="0"/>
+          </a:p>
+        </p:txBody>
+      </p:sp>
+      <p:sp>
+        <p:nvSpPr>
+          <p:cNvPr id="10" name="TextBox 9">
+            <a:extLst>
+              <a:ext uri="{FF2B5EF4-FFF2-40B4-BE49-F238E27FC236}">
+                <a16:creationId xmlns:a16="http://schemas.microsoft.com/office/drawing/2014/main" id="{F41F6877-C7A4-AC6D-2A5A-AC30ABA08B20}"/>
+              </a:ext>
+            </a:extLst>
+          </p:cNvPr>
+          <p:cNvSpPr txBox="1"/>
+          <p:nvPr/>
+        </p:nvSpPr>
+        <p:spPr>
+          <a:xfrm>
+            <a:off x="1600200" y="1996229"/>
+            <a:ext cx="5499100" cy="1246495"/>
+          </a:xfrm>
+          <a:prstGeom prst="rect">
+            <a:avLst/>
+          </a:prstGeom>
+          <a:noFill/>
+        </p:spPr>
+        <p:txBody>
+          <a:bodyPr wrap="square" rtlCol="0">
+            <a:spAutoFit/>
+          </a:bodyPr>
+          <a:lstStyle/>
+          <a:p>
+            <a:r>
+              <a:rPr lang="en-PH" sz="1500" dirty="0">
+                <a:solidFill>
+                  <a:srgbClr val="7030A0"/>
+                </a:solidFill>
+                <a:latin typeface="Consolas" panose="020B0609020204030204" pitchFamily="49" charset="0"/>
+              </a:rPr>
+              <a:t>public</a:t>
+            </a:r>
+            <a:r>
+              <a:rPr lang="en-PH" sz="1500" dirty="0">
+                <a:latin typeface="Consolas" panose="020B0609020204030204" pitchFamily="49" charset="0"/>
+              </a:rPr>
+              <a:t> </a:t>
+            </a:r>
+            <a:r>
+              <a:rPr lang="en-PH" sz="1500" dirty="0">
+                <a:solidFill>
+                  <a:srgbClr val="00B0F0"/>
+                </a:solidFill>
+                <a:latin typeface="Consolas" panose="020B0609020204030204" pitchFamily="49" charset="0"/>
+              </a:rPr>
+              <a:t>void </a:t>
+            </a:r>
+            <a:r>
+              <a:rPr lang="en-PH" sz="1500" dirty="0" err="1">
+                <a:solidFill>
+                  <a:srgbClr val="0070C0"/>
+                </a:solidFill>
+                <a:latin typeface="Consolas" panose="020B0609020204030204" pitchFamily="49" charset="0"/>
+              </a:rPr>
+              <a:t>getSurname</a:t>
+            </a:r>
+            <a:r>
+              <a:rPr lang="en-PH" sz="1500" dirty="0">
+                <a:latin typeface="Consolas" panose="020B0609020204030204" pitchFamily="49" charset="0"/>
+              </a:rPr>
+              <a:t>() {</a:t>
+            </a:r>
+          </a:p>
+          <a:p>
+            <a:endParaRPr lang="en-PH" sz="1500" dirty="0">
+              <a:latin typeface="Consolas" panose="020B0609020204030204" pitchFamily="49" charset="0"/>
+            </a:endParaRPr>
+          </a:p>
+          <a:p>
+            <a:r>
+              <a:rPr lang="en-PH" sz="1500" dirty="0">
+                <a:latin typeface="Consolas" panose="020B0609020204030204" pitchFamily="49" charset="0"/>
+              </a:rPr>
+              <a:t>	</a:t>
+            </a:r>
+            <a:r>
+              <a:rPr lang="en-PH" sz="1500" dirty="0" err="1">
+                <a:latin typeface="Consolas" panose="020B0609020204030204" pitchFamily="49" charset="0"/>
+              </a:rPr>
+              <a:t>System.out.print</a:t>
+            </a:r>
+            <a:r>
+              <a:rPr lang="en-PH" sz="1500" dirty="0">
+                <a:latin typeface="Consolas" panose="020B0609020204030204" pitchFamily="49" charset="0"/>
+              </a:rPr>
+              <a:t>(“my surname is Ponio”); </a:t>
+            </a:r>
+          </a:p>
+          <a:p>
+            <a:r>
+              <a:rPr lang="en-PH" sz="1500" dirty="0">
+                <a:latin typeface="Consolas" panose="020B0609020204030204" pitchFamily="49" charset="0"/>
+              </a:rPr>
+              <a:t>}</a:t>
+            </a:r>
+          </a:p>
+          <a:p>
+            <a:endParaRPr lang="en-PH" sz="1500" dirty="0"/>
+          </a:p>
+        </p:txBody>
+      </p:sp>
+      <p:sp>
+        <p:nvSpPr>
+          <p:cNvPr id="13" name="TextBox 12">
+            <a:extLst>
+              <a:ext uri="{FF2B5EF4-FFF2-40B4-BE49-F238E27FC236}">
+                <a16:creationId xmlns:a16="http://schemas.microsoft.com/office/drawing/2014/main" id="{9B51B015-5E2B-C089-B179-1451FE183538}"/>
+              </a:ext>
+            </a:extLst>
+          </p:cNvPr>
+          <p:cNvSpPr txBox="1"/>
+          <p:nvPr/>
+        </p:nvSpPr>
+        <p:spPr>
+          <a:xfrm>
+            <a:off x="1412310" y="3677747"/>
+            <a:ext cx="3128376" cy="323165"/>
+          </a:xfrm>
+          <a:prstGeom prst="rect">
+            <a:avLst/>
+          </a:prstGeom>
+          <a:noFill/>
+        </p:spPr>
+        <p:txBody>
+          <a:bodyPr wrap="square" rtlCol="0">
+            <a:spAutoFit/>
+          </a:bodyPr>
+          <a:lstStyle/>
+          <a:p>
+            <a:r>
+              <a:rPr lang="en-PH" sz="1500" dirty="0">
+                <a:solidFill>
+                  <a:srgbClr val="7030A0"/>
+                </a:solidFill>
+                <a:latin typeface="Consolas" panose="020B0609020204030204" pitchFamily="49" charset="0"/>
+              </a:rPr>
+              <a:t>class </a:t>
+            </a:r>
+            <a:r>
+              <a:rPr lang="en-PH" sz="1500" dirty="0">
+                <a:solidFill>
+                  <a:srgbClr val="00B0F0"/>
+                </a:solidFill>
+                <a:latin typeface="Consolas" panose="020B0609020204030204" pitchFamily="49" charset="0"/>
+              </a:rPr>
+              <a:t>Daughter</a:t>
+            </a:r>
+            <a:r>
+              <a:rPr lang="en-PH" sz="1500" dirty="0">
+                <a:solidFill>
+                  <a:srgbClr val="7030A0"/>
+                </a:solidFill>
+                <a:latin typeface="Consolas" panose="020B0609020204030204" pitchFamily="49" charset="0"/>
+              </a:rPr>
+              <a:t> extends </a:t>
+            </a:r>
+            <a:r>
+              <a:rPr lang="en-PH" sz="1500" dirty="0">
+                <a:solidFill>
+                  <a:srgbClr val="00B0F0"/>
+                </a:solidFill>
+                <a:latin typeface="Consolas" panose="020B0609020204030204" pitchFamily="49" charset="0"/>
+              </a:rPr>
+              <a:t>Mommy</a:t>
+            </a:r>
+            <a:endParaRPr lang="en-PH" sz="1500" dirty="0">
+              <a:solidFill>
+                <a:srgbClr val="00B0F0"/>
+              </a:solidFill>
+            </a:endParaRPr>
+          </a:p>
+        </p:txBody>
+      </p:sp>
+      <p:sp>
+        <p:nvSpPr>
+          <p:cNvPr id="14" name="TextBox 13">
+            <a:extLst>
+              <a:ext uri="{FF2B5EF4-FFF2-40B4-BE49-F238E27FC236}">
+                <a16:creationId xmlns:a16="http://schemas.microsoft.com/office/drawing/2014/main" id="{DFA23BC3-22FB-1B3B-3108-2964F9135338}"/>
+              </a:ext>
+            </a:extLst>
+          </p:cNvPr>
+          <p:cNvSpPr txBox="1"/>
+          <p:nvPr/>
+        </p:nvSpPr>
+        <p:spPr>
+          <a:xfrm>
+            <a:off x="4540686" y="3685921"/>
+            <a:ext cx="376433" cy="323165"/>
+          </a:xfrm>
+          <a:prstGeom prst="rect">
+            <a:avLst/>
+          </a:prstGeom>
+          <a:noFill/>
+        </p:spPr>
+        <p:txBody>
+          <a:bodyPr wrap="square" rtlCol="0">
+            <a:spAutoFit/>
+          </a:bodyPr>
+          <a:lstStyle/>
+          <a:p>
+            <a:r>
+              <a:rPr lang="en-PH" sz="1500" dirty="0">
+                <a:latin typeface="Consolas" panose="020B0609020204030204" pitchFamily="49" charset="0"/>
+              </a:rPr>
+              <a:t>{</a:t>
+            </a:r>
+            <a:endParaRPr lang="en-PH" sz="1500" dirty="0"/>
+          </a:p>
+        </p:txBody>
+      </p:sp>
+      <p:sp>
+        <p:nvSpPr>
+          <p:cNvPr id="15" name="TextBox 14">
+            <a:extLst>
+              <a:ext uri="{FF2B5EF4-FFF2-40B4-BE49-F238E27FC236}">
+                <a16:creationId xmlns:a16="http://schemas.microsoft.com/office/drawing/2014/main" id="{AE6CE88C-87FE-F3EF-AE50-06E80CEA3D44}"/>
+              </a:ext>
+            </a:extLst>
+          </p:cNvPr>
+          <p:cNvSpPr txBox="1"/>
+          <p:nvPr/>
+        </p:nvSpPr>
+        <p:spPr>
+          <a:xfrm>
+            <a:off x="1412310" y="5136558"/>
+            <a:ext cx="375781" cy="323165"/>
+          </a:xfrm>
+          <a:prstGeom prst="rect">
+            <a:avLst/>
+          </a:prstGeom>
+          <a:noFill/>
+        </p:spPr>
+        <p:txBody>
+          <a:bodyPr wrap="square" rtlCol="0">
+            <a:spAutoFit/>
+          </a:bodyPr>
+          <a:lstStyle/>
+          <a:p>
+            <a:r>
+              <a:rPr lang="en-PH" sz="1500" dirty="0">
+                <a:latin typeface="Consolas" panose="020B0609020204030204" pitchFamily="49" charset="0"/>
+              </a:rPr>
+              <a:t>}</a:t>
+            </a:r>
+            <a:endParaRPr lang="en-PH" sz="1500" dirty="0"/>
+          </a:p>
+        </p:txBody>
+      </p:sp>
+      <p:sp>
+        <p:nvSpPr>
+          <p:cNvPr id="16" name="TextBox 15">
+            <a:extLst>
+              <a:ext uri="{FF2B5EF4-FFF2-40B4-BE49-F238E27FC236}">
+                <a16:creationId xmlns:a16="http://schemas.microsoft.com/office/drawing/2014/main" id="{8844F828-ECDF-0894-6414-96D55881FE5E}"/>
+              </a:ext>
+            </a:extLst>
+          </p:cNvPr>
+          <p:cNvSpPr txBox="1"/>
+          <p:nvPr/>
+        </p:nvSpPr>
+        <p:spPr>
+          <a:xfrm>
+            <a:off x="1600200" y="4101716"/>
+            <a:ext cx="6413500" cy="1246495"/>
+          </a:xfrm>
+          <a:prstGeom prst="rect">
+            <a:avLst/>
+          </a:prstGeom>
+          <a:noFill/>
+        </p:spPr>
+        <p:txBody>
+          <a:bodyPr wrap="square" rtlCol="0">
+            <a:spAutoFit/>
+          </a:bodyPr>
+          <a:lstStyle/>
+          <a:p>
+            <a:r>
+              <a:rPr lang="en-PH" sz="1500" dirty="0">
+                <a:solidFill>
+                  <a:srgbClr val="7030A0"/>
+                </a:solidFill>
+                <a:latin typeface="Consolas" panose="020B0609020204030204" pitchFamily="49" charset="0"/>
+              </a:rPr>
+              <a:t>public</a:t>
+            </a:r>
+            <a:r>
+              <a:rPr lang="en-PH" sz="1500" dirty="0">
+                <a:latin typeface="Consolas" panose="020B0609020204030204" pitchFamily="49" charset="0"/>
+              </a:rPr>
+              <a:t> </a:t>
+            </a:r>
+            <a:r>
+              <a:rPr lang="en-PH" sz="1500" dirty="0">
+                <a:solidFill>
+                  <a:srgbClr val="00B0F0"/>
+                </a:solidFill>
+                <a:latin typeface="Consolas" panose="020B0609020204030204" pitchFamily="49" charset="0"/>
+              </a:rPr>
+              <a:t>void </a:t>
+            </a:r>
+            <a:r>
+              <a:rPr lang="en-PH" sz="1500" dirty="0" err="1">
+                <a:solidFill>
+                  <a:srgbClr val="0070C0"/>
+                </a:solidFill>
+                <a:latin typeface="Consolas" panose="020B0609020204030204" pitchFamily="49" charset="0"/>
+              </a:rPr>
+              <a:t>getSurname</a:t>
+            </a:r>
+            <a:r>
+              <a:rPr lang="en-PH" sz="1500" dirty="0">
+                <a:latin typeface="Consolas" panose="020B0609020204030204" pitchFamily="49" charset="0"/>
+              </a:rPr>
+              <a:t>() {</a:t>
+            </a:r>
+          </a:p>
+          <a:p>
+            <a:endParaRPr lang="en-PH" sz="1500" dirty="0">
+              <a:latin typeface="Consolas" panose="020B0609020204030204" pitchFamily="49" charset="0"/>
+            </a:endParaRPr>
+          </a:p>
+          <a:p>
+            <a:r>
+              <a:rPr lang="en-PH" sz="1500" dirty="0">
+                <a:latin typeface="Consolas" panose="020B0609020204030204" pitchFamily="49" charset="0"/>
+              </a:rPr>
+              <a:t>	 </a:t>
+            </a:r>
+            <a:r>
+              <a:rPr lang="en-PH" sz="1500" dirty="0" err="1">
+                <a:latin typeface="Consolas" panose="020B0609020204030204" pitchFamily="49" charset="0"/>
+              </a:rPr>
+              <a:t>System.out.print</a:t>
+            </a:r>
+            <a:r>
+              <a:rPr lang="en-PH" sz="1500" dirty="0">
+                <a:latin typeface="Consolas" panose="020B0609020204030204" pitchFamily="49" charset="0"/>
+              </a:rPr>
+              <a:t>(“my family name is Ponio”); </a:t>
+            </a:r>
+          </a:p>
+          <a:p>
+            <a:r>
+              <a:rPr lang="en-PH" sz="1500" dirty="0">
+                <a:latin typeface="Consolas" panose="020B0609020204030204" pitchFamily="49" charset="0"/>
+              </a:rPr>
+              <a:t>}</a:t>
+            </a:r>
+          </a:p>
+          <a:p>
+            <a:endParaRPr lang="en-PH" sz="1500" dirty="0"/>
+          </a:p>
+        </p:txBody>
+      </p:sp>
+      <p:sp>
+        <p:nvSpPr>
+          <p:cNvPr id="17" name="TextBox 16">
+            <a:extLst>
+              <a:ext uri="{FF2B5EF4-FFF2-40B4-BE49-F238E27FC236}">
+                <a16:creationId xmlns:a16="http://schemas.microsoft.com/office/drawing/2014/main" id="{45697105-D7BC-9ECD-E05B-B9C8E48C5D47}"/>
+              </a:ext>
+            </a:extLst>
+          </p:cNvPr>
+          <p:cNvSpPr txBox="1"/>
+          <p:nvPr/>
+        </p:nvSpPr>
+        <p:spPr>
+          <a:xfrm>
+            <a:off x="9425837" y="4080345"/>
+            <a:ext cx="2854625" cy="477054"/>
+          </a:xfrm>
+          <a:prstGeom prst="rect">
+            <a:avLst/>
+          </a:prstGeom>
+          <a:noFill/>
+        </p:spPr>
+        <p:txBody>
+          <a:bodyPr wrap="square" rtlCol="0">
+            <a:spAutoFit/>
+          </a:bodyPr>
+          <a:lstStyle/>
+          <a:p>
+            <a:r>
+              <a:rPr lang="en-PH" sz="2500" b="1" dirty="0">
+                <a:solidFill>
+                  <a:srgbClr val="FF0000"/>
+                </a:solidFill>
+              </a:rPr>
+              <a:t>Method override</a:t>
+            </a:r>
+          </a:p>
+        </p:txBody>
+      </p:sp>
+      <p:sp>
+        <p:nvSpPr>
+          <p:cNvPr id="18" name="Arrow: Left 17">
+            <a:extLst>
+              <a:ext uri="{FF2B5EF4-FFF2-40B4-BE49-F238E27FC236}">
+                <a16:creationId xmlns:a16="http://schemas.microsoft.com/office/drawing/2014/main" id="{740B85B4-5695-081F-7B80-34BBD6729DE7}"/>
+              </a:ext>
+            </a:extLst>
+          </p:cNvPr>
+          <p:cNvSpPr/>
+          <p:nvPr/>
+        </p:nvSpPr>
+        <p:spPr>
+          <a:xfrm>
+            <a:off x="8100251" y="4072767"/>
+            <a:ext cx="978408" cy="484632"/>
+          </a:xfrm>
+          <a:prstGeom prst="leftArrow">
+            <a:avLst/>
+          </a:prstGeom>
+        </p:spPr>
+        <p:style>
+          <a:lnRef idx="2">
+            <a:schemeClr val="accent1">
+              <a:shade val="50000"/>
+            </a:schemeClr>
+          </a:lnRef>
+          <a:fillRef idx="1">
+            <a:schemeClr val="accent1"/>
+          </a:fillRef>
+          <a:effectRef idx="0">
+            <a:schemeClr val="accent1"/>
+          </a:effectRef>
+          <a:fontRef idx="minor">
+            <a:schemeClr val="lt1"/>
+          </a:fontRef>
+        </p:style>
+        <p:txBody>
+          <a:bodyPr rtlCol="0" anchor="ctr"/>
+          <a:lstStyle/>
+          <a:p>
+            <a:pPr algn="ctr"/>
+            <a:endParaRPr lang="en-PH"/>
+          </a:p>
+        </p:txBody>
+      </p:sp>
+    </p:spTree>
+    <p:extLst>
+      <p:ext uri="{BB962C8B-B14F-4D97-AF65-F5344CB8AC3E}">
+        <p14:creationId xmlns:p14="http://schemas.microsoft.com/office/powerpoint/2010/main" val="659956864"/>
+      </p:ext>
+    </p:extLst>
+  </p:cSld>
+  <p:clrMapOvr>
+    <a:masterClrMapping/>
+  </p:clrMapOvr>
+  <p:timing>
+    <p:tnLst>
+      <p:par>
+        <p:cTn id="1" dur="indefinite" restart="never" nodeType="tmRoot">
+          <p:childTnLst>
+            <p:seq concurrent="1" nextAc="seek">
+              <p:cTn id="2" dur="indefinite" nodeType="mainSeq">
+                <p:childTnLst>
+                  <p:par>
+                    <p:cTn id="3" fill="hold">
+                      <p:stCondLst>
+                        <p:cond delay="indefinite"/>
+                      </p:stCondLst>
+                      <p:childTnLst>
+                        <p:par>
+                          <p:cTn id="4" fill="hold">
+                            <p:stCondLst>
+                              <p:cond delay="0"/>
+                            </p:stCondLst>
+                            <p:childTnLst>
+                              <p:par>
+                                <p:cTn id="5" presetID="42" presetClass="entr" presetSubtype="0" fill="hold" grpId="0" nodeType="clickEffect">
+                                  <p:stCondLst>
+                                    <p:cond delay="0"/>
+                                  </p:stCondLst>
+                                  <p:childTnLst>
+                                    <p:set>
+                                      <p:cBhvr>
+                                        <p:cTn id="6" dur="1" fill="hold">
+                                          <p:stCondLst>
+                                            <p:cond delay="0"/>
+                                          </p:stCondLst>
+                                        </p:cTn>
+                                        <p:tgtEl>
+                                          <p:spTgt spid="3"/>
+                                        </p:tgtEl>
+                                        <p:attrNameLst>
+                                          <p:attrName>style.visibility</p:attrName>
+                                        </p:attrNameLst>
+                                      </p:cBhvr>
+                                      <p:to>
+                                        <p:strVal val="visible"/>
+                                      </p:to>
+                                    </p:set>
+                                    <p:animEffect transition="in" filter="fade">
+                                      <p:cBhvr>
+                                        <p:cTn id="7" dur="1000"/>
+                                        <p:tgtEl>
+                                          <p:spTgt spid="3"/>
+                                        </p:tgtEl>
+                                      </p:cBhvr>
+                                    </p:animEffect>
+                                    <p:anim calcmode="lin" valueType="num">
+                                      <p:cBhvr>
+                                        <p:cTn id="8" dur="1000" fill="hold"/>
+                                        <p:tgtEl>
+                                          <p:spTgt spid="3"/>
+                                        </p:tgtEl>
+                                        <p:attrNameLst>
+                                          <p:attrName>ppt_x</p:attrName>
+                                        </p:attrNameLst>
+                                      </p:cBhvr>
+                                      <p:tavLst>
+                                        <p:tav tm="0">
+                                          <p:val>
+                                            <p:strVal val="#ppt_x"/>
+                                          </p:val>
+                                        </p:tav>
+                                        <p:tav tm="100000">
+                                          <p:val>
+                                            <p:strVal val="#ppt_x"/>
+                                          </p:val>
+                                        </p:tav>
+                                      </p:tavLst>
+                                    </p:anim>
+                                    <p:anim calcmode="lin" valueType="num">
+                                      <p:cBhvr>
+                                        <p:cTn id="9" dur="1000" fill="hold"/>
+                                        <p:tgtEl>
+                                          <p:spTgt spid="3"/>
+                                        </p:tgtEl>
+                                        <p:attrNameLst>
+                                          <p:attrName>ppt_y</p:attrName>
+                                        </p:attrNameLst>
+                                      </p:cBhvr>
+                                      <p:tavLst>
+                                        <p:tav tm="0">
+                                          <p:val>
+                                            <p:strVal val="#ppt_y+.1"/>
+                                          </p:val>
+                                        </p:tav>
+                                        <p:tav tm="100000">
+                                          <p:val>
+                                            <p:strVal val="#ppt_y"/>
+                                          </p:val>
+                                        </p:tav>
+                                      </p:tavLst>
+                                    </p:anim>
+                                  </p:childTnLst>
+                                </p:cTn>
+                              </p:par>
+                              <p:par>
+                                <p:cTn id="10" presetID="42" presetClass="entr" presetSubtype="0" fill="hold" grpId="0" nodeType="withEffect">
+                                  <p:stCondLst>
+                                    <p:cond delay="0"/>
+                                  </p:stCondLst>
+                                  <p:childTnLst>
+                                    <p:set>
+                                      <p:cBhvr>
+                                        <p:cTn id="11" dur="1" fill="hold">
+                                          <p:stCondLst>
+                                            <p:cond delay="0"/>
+                                          </p:stCondLst>
+                                        </p:cTn>
+                                        <p:tgtEl>
+                                          <p:spTgt spid="7"/>
+                                        </p:tgtEl>
+                                        <p:attrNameLst>
+                                          <p:attrName>style.visibility</p:attrName>
+                                        </p:attrNameLst>
+                                      </p:cBhvr>
+                                      <p:to>
+                                        <p:strVal val="visible"/>
+                                      </p:to>
+                                    </p:set>
+                                    <p:animEffect transition="in" filter="fade">
+                                      <p:cBhvr>
+                                        <p:cTn id="12" dur="1000"/>
+                                        <p:tgtEl>
+                                          <p:spTgt spid="7"/>
+                                        </p:tgtEl>
+                                      </p:cBhvr>
+                                    </p:animEffect>
+                                    <p:anim calcmode="lin" valueType="num">
+                                      <p:cBhvr>
+                                        <p:cTn id="13" dur="1000" fill="hold"/>
+                                        <p:tgtEl>
+                                          <p:spTgt spid="7"/>
+                                        </p:tgtEl>
+                                        <p:attrNameLst>
+                                          <p:attrName>ppt_x</p:attrName>
+                                        </p:attrNameLst>
+                                      </p:cBhvr>
+                                      <p:tavLst>
+                                        <p:tav tm="0">
+                                          <p:val>
+                                            <p:strVal val="#ppt_x"/>
+                                          </p:val>
+                                        </p:tav>
+                                        <p:tav tm="100000">
+                                          <p:val>
+                                            <p:strVal val="#ppt_x"/>
+                                          </p:val>
+                                        </p:tav>
+                                      </p:tavLst>
+                                    </p:anim>
+                                    <p:anim calcmode="lin" valueType="num">
+                                      <p:cBhvr>
+                                        <p:cTn id="14" dur="1000" fill="hold"/>
+                                        <p:tgtEl>
+                                          <p:spTgt spid="7"/>
+                                        </p:tgtEl>
+                                        <p:attrNameLst>
+                                          <p:attrName>ppt_y</p:attrName>
+                                        </p:attrNameLst>
+                                      </p:cBhvr>
+                                      <p:tavLst>
+                                        <p:tav tm="0">
+                                          <p:val>
+                                            <p:strVal val="#ppt_y+.1"/>
+                                          </p:val>
+                                        </p:tav>
+                                        <p:tav tm="100000">
+                                          <p:val>
+                                            <p:strVal val="#ppt_y"/>
+                                          </p:val>
+                                        </p:tav>
+                                      </p:tavLst>
+                                    </p:anim>
+                                  </p:childTnLst>
+                                </p:cTn>
+                              </p:par>
+                              <p:par>
+                                <p:cTn id="15" presetID="42" presetClass="entr" presetSubtype="0" fill="hold" grpId="0" nodeType="withEffect">
+                                  <p:stCondLst>
+                                    <p:cond delay="0"/>
+                                  </p:stCondLst>
+                                  <p:childTnLst>
+                                    <p:set>
+                                      <p:cBhvr>
+                                        <p:cTn id="16" dur="1" fill="hold">
+                                          <p:stCondLst>
+                                            <p:cond delay="0"/>
+                                          </p:stCondLst>
+                                        </p:cTn>
+                                        <p:tgtEl>
+                                          <p:spTgt spid="9"/>
+                                        </p:tgtEl>
+                                        <p:attrNameLst>
+                                          <p:attrName>style.visibility</p:attrName>
+                                        </p:attrNameLst>
+                                      </p:cBhvr>
+                                      <p:to>
+                                        <p:strVal val="visible"/>
+                                      </p:to>
+                                    </p:set>
+                                    <p:animEffect transition="in" filter="fade">
+                                      <p:cBhvr>
+                                        <p:cTn id="17" dur="1000"/>
+                                        <p:tgtEl>
+                                          <p:spTgt spid="9"/>
+                                        </p:tgtEl>
+                                      </p:cBhvr>
+                                    </p:animEffect>
+                                    <p:anim calcmode="lin" valueType="num">
+                                      <p:cBhvr>
+                                        <p:cTn id="18" dur="1000" fill="hold"/>
+                                        <p:tgtEl>
+                                          <p:spTgt spid="9"/>
+                                        </p:tgtEl>
+                                        <p:attrNameLst>
+                                          <p:attrName>ppt_x</p:attrName>
+                                        </p:attrNameLst>
+                                      </p:cBhvr>
+                                      <p:tavLst>
+                                        <p:tav tm="0">
+                                          <p:val>
+                                            <p:strVal val="#ppt_x"/>
+                                          </p:val>
+                                        </p:tav>
+                                        <p:tav tm="100000">
+                                          <p:val>
+                                            <p:strVal val="#ppt_x"/>
+                                          </p:val>
+                                        </p:tav>
+                                      </p:tavLst>
+                                    </p:anim>
+                                    <p:anim calcmode="lin" valueType="num">
+                                      <p:cBhvr>
+                                        <p:cTn id="19" dur="1000" fill="hold"/>
+                                        <p:tgtEl>
+                                          <p:spTgt spid="9"/>
+                                        </p:tgtEl>
+                                        <p:attrNameLst>
+                                          <p:attrName>ppt_y</p:attrName>
+                                        </p:attrNameLst>
+                                      </p:cBhvr>
+                                      <p:tavLst>
+                                        <p:tav tm="0">
+                                          <p:val>
+                                            <p:strVal val="#ppt_y+.1"/>
+                                          </p:val>
+                                        </p:tav>
+                                        <p:tav tm="100000">
+                                          <p:val>
+                                            <p:strVal val="#ppt_y"/>
+                                          </p:val>
+                                        </p:tav>
+                                      </p:tavLst>
+                                    </p:anim>
+                                  </p:childTnLst>
+                                </p:cTn>
+                              </p:par>
+                              <p:par>
+                                <p:cTn id="20" presetID="42" presetClass="entr" presetSubtype="0" fill="hold" grpId="0" nodeType="withEffect">
+                                  <p:stCondLst>
+                                    <p:cond delay="0"/>
+                                  </p:stCondLst>
+                                  <p:childTnLst>
+                                    <p:set>
+                                      <p:cBhvr>
+                                        <p:cTn id="21" dur="1" fill="hold">
+                                          <p:stCondLst>
+                                            <p:cond delay="0"/>
+                                          </p:stCondLst>
+                                        </p:cTn>
+                                        <p:tgtEl>
+                                          <p:spTgt spid="10"/>
+                                        </p:tgtEl>
+                                        <p:attrNameLst>
+                                          <p:attrName>style.visibility</p:attrName>
+                                        </p:attrNameLst>
+                                      </p:cBhvr>
+                                      <p:to>
+                                        <p:strVal val="visible"/>
+                                      </p:to>
+                                    </p:set>
+                                    <p:animEffect transition="in" filter="fade">
+                                      <p:cBhvr>
+                                        <p:cTn id="22" dur="1000"/>
+                                        <p:tgtEl>
+                                          <p:spTgt spid="10"/>
+                                        </p:tgtEl>
+                                      </p:cBhvr>
+                                    </p:animEffect>
+                                    <p:anim calcmode="lin" valueType="num">
+                                      <p:cBhvr>
+                                        <p:cTn id="23" dur="1000" fill="hold"/>
+                                        <p:tgtEl>
+                                          <p:spTgt spid="10"/>
+                                        </p:tgtEl>
+                                        <p:attrNameLst>
+                                          <p:attrName>ppt_x</p:attrName>
+                                        </p:attrNameLst>
+                                      </p:cBhvr>
+                                      <p:tavLst>
+                                        <p:tav tm="0">
+                                          <p:val>
+                                            <p:strVal val="#ppt_x"/>
+                                          </p:val>
+                                        </p:tav>
+                                        <p:tav tm="100000">
+                                          <p:val>
+                                            <p:strVal val="#ppt_x"/>
+                                          </p:val>
+                                        </p:tav>
+                                      </p:tavLst>
+                                    </p:anim>
+                                    <p:anim calcmode="lin" valueType="num">
+                                      <p:cBhvr>
+                                        <p:cTn id="24" dur="1000" fill="hold"/>
+                                        <p:tgtEl>
+                                          <p:spTgt spid="10"/>
+                                        </p:tgtEl>
+                                        <p:attrNameLst>
+                                          <p:attrName>ppt_y</p:attrName>
+                                        </p:attrNameLst>
+                                      </p:cBhvr>
+                                      <p:tavLst>
+                                        <p:tav tm="0">
+                                          <p:val>
+                                            <p:strVal val="#ppt_y+.1"/>
+                                          </p:val>
+                                        </p:tav>
+                                        <p:tav tm="100000">
+                                          <p:val>
+                                            <p:strVal val="#ppt_y"/>
+                                          </p:val>
+                                        </p:tav>
+                                      </p:tavLst>
+                                    </p:anim>
+                                  </p:childTnLst>
+                                </p:cTn>
+                              </p:par>
+                            </p:childTnLst>
+                          </p:cTn>
+                        </p:par>
+                      </p:childTnLst>
+                    </p:cTn>
+                  </p:par>
+                  <p:par>
+                    <p:cTn id="25" fill="hold">
+                      <p:stCondLst>
+                        <p:cond delay="indefinite"/>
+                      </p:stCondLst>
+                      <p:childTnLst>
+                        <p:par>
+                          <p:cTn id="26" fill="hold">
+                            <p:stCondLst>
+                              <p:cond delay="0"/>
+                            </p:stCondLst>
+                            <p:childTnLst>
+                              <p:par>
+                                <p:cTn id="27" presetID="42" presetClass="entr" presetSubtype="0" fill="hold" grpId="0" nodeType="clickEffect">
+                                  <p:stCondLst>
+                                    <p:cond delay="0"/>
+                                  </p:stCondLst>
+                                  <p:childTnLst>
+                                    <p:set>
+                                      <p:cBhvr>
+                                        <p:cTn id="28" dur="1" fill="hold">
+                                          <p:stCondLst>
+                                            <p:cond delay="0"/>
+                                          </p:stCondLst>
+                                        </p:cTn>
+                                        <p:tgtEl>
+                                          <p:spTgt spid="13"/>
+                                        </p:tgtEl>
+                                        <p:attrNameLst>
+                                          <p:attrName>style.visibility</p:attrName>
+                                        </p:attrNameLst>
+                                      </p:cBhvr>
+                                      <p:to>
+                                        <p:strVal val="visible"/>
+                                      </p:to>
+                                    </p:set>
+                                    <p:animEffect transition="in" filter="fade">
+                                      <p:cBhvr>
+                                        <p:cTn id="29" dur="1000"/>
+                                        <p:tgtEl>
+                                          <p:spTgt spid="13"/>
+                                        </p:tgtEl>
+                                      </p:cBhvr>
+                                    </p:animEffect>
+                                    <p:anim calcmode="lin" valueType="num">
+                                      <p:cBhvr>
+                                        <p:cTn id="30" dur="1000" fill="hold"/>
+                                        <p:tgtEl>
+                                          <p:spTgt spid="13"/>
+                                        </p:tgtEl>
+                                        <p:attrNameLst>
+                                          <p:attrName>ppt_x</p:attrName>
+                                        </p:attrNameLst>
+                                      </p:cBhvr>
+                                      <p:tavLst>
+                                        <p:tav tm="0">
+                                          <p:val>
+                                            <p:strVal val="#ppt_x"/>
+                                          </p:val>
+                                        </p:tav>
+                                        <p:tav tm="100000">
+                                          <p:val>
+                                            <p:strVal val="#ppt_x"/>
+                                          </p:val>
+                                        </p:tav>
+                                      </p:tavLst>
+                                    </p:anim>
+                                    <p:anim calcmode="lin" valueType="num">
+                                      <p:cBhvr>
+                                        <p:cTn id="31" dur="1000" fill="hold"/>
+                                        <p:tgtEl>
+                                          <p:spTgt spid="13"/>
+                                        </p:tgtEl>
+                                        <p:attrNameLst>
+                                          <p:attrName>ppt_y</p:attrName>
+                                        </p:attrNameLst>
+                                      </p:cBhvr>
+                                      <p:tavLst>
+                                        <p:tav tm="0">
+                                          <p:val>
+                                            <p:strVal val="#ppt_y+.1"/>
+                                          </p:val>
+                                        </p:tav>
+                                        <p:tav tm="100000">
+                                          <p:val>
+                                            <p:strVal val="#ppt_y"/>
+                                          </p:val>
+                                        </p:tav>
+                                      </p:tavLst>
+                                    </p:anim>
+                                  </p:childTnLst>
+                                </p:cTn>
+                              </p:par>
+                              <p:par>
+                                <p:cTn id="32" presetID="42" presetClass="entr" presetSubtype="0" fill="hold" grpId="0" nodeType="withEffect">
+                                  <p:stCondLst>
+                                    <p:cond delay="0"/>
+                                  </p:stCondLst>
+                                  <p:childTnLst>
+                                    <p:set>
+                                      <p:cBhvr>
+                                        <p:cTn id="33" dur="1" fill="hold">
+                                          <p:stCondLst>
+                                            <p:cond delay="0"/>
+                                          </p:stCondLst>
+                                        </p:cTn>
+                                        <p:tgtEl>
+                                          <p:spTgt spid="14"/>
+                                        </p:tgtEl>
+                                        <p:attrNameLst>
+                                          <p:attrName>style.visibility</p:attrName>
+                                        </p:attrNameLst>
+                                      </p:cBhvr>
+                                      <p:to>
+                                        <p:strVal val="visible"/>
+                                      </p:to>
+                                    </p:set>
+                                    <p:animEffect transition="in" filter="fade">
+                                      <p:cBhvr>
+                                        <p:cTn id="34" dur="1000"/>
+                                        <p:tgtEl>
+                                          <p:spTgt spid="14"/>
+                                        </p:tgtEl>
+                                      </p:cBhvr>
+                                    </p:animEffect>
+                                    <p:anim calcmode="lin" valueType="num">
+                                      <p:cBhvr>
+                                        <p:cTn id="35" dur="1000" fill="hold"/>
+                                        <p:tgtEl>
+                                          <p:spTgt spid="14"/>
+                                        </p:tgtEl>
+                                        <p:attrNameLst>
+                                          <p:attrName>ppt_x</p:attrName>
+                                        </p:attrNameLst>
+                                      </p:cBhvr>
+                                      <p:tavLst>
+                                        <p:tav tm="0">
+                                          <p:val>
+                                            <p:strVal val="#ppt_x"/>
+                                          </p:val>
+                                        </p:tav>
+                                        <p:tav tm="100000">
+                                          <p:val>
+                                            <p:strVal val="#ppt_x"/>
+                                          </p:val>
+                                        </p:tav>
+                                      </p:tavLst>
+                                    </p:anim>
+                                    <p:anim calcmode="lin" valueType="num">
+                                      <p:cBhvr>
+                                        <p:cTn id="36" dur="1000" fill="hold"/>
+                                        <p:tgtEl>
+                                          <p:spTgt spid="14"/>
+                                        </p:tgtEl>
+                                        <p:attrNameLst>
+                                          <p:attrName>ppt_y</p:attrName>
+                                        </p:attrNameLst>
+                                      </p:cBhvr>
+                                      <p:tavLst>
+                                        <p:tav tm="0">
+                                          <p:val>
+                                            <p:strVal val="#ppt_y+.1"/>
+                                          </p:val>
+                                        </p:tav>
+                                        <p:tav tm="100000">
+                                          <p:val>
+                                            <p:strVal val="#ppt_y"/>
+                                          </p:val>
+                                        </p:tav>
+                                      </p:tavLst>
+                                    </p:anim>
+                                  </p:childTnLst>
+                                </p:cTn>
+                              </p:par>
+                              <p:par>
+                                <p:cTn id="37" presetID="42" presetClass="entr" presetSubtype="0" fill="hold" grpId="0" nodeType="withEffect">
+                                  <p:stCondLst>
+                                    <p:cond delay="0"/>
+                                  </p:stCondLst>
+                                  <p:childTnLst>
+                                    <p:set>
+                                      <p:cBhvr>
+                                        <p:cTn id="38" dur="1" fill="hold">
+                                          <p:stCondLst>
+                                            <p:cond delay="0"/>
+                                          </p:stCondLst>
+                                        </p:cTn>
+                                        <p:tgtEl>
+                                          <p:spTgt spid="15"/>
+                                        </p:tgtEl>
+                                        <p:attrNameLst>
+                                          <p:attrName>style.visibility</p:attrName>
+                                        </p:attrNameLst>
+                                      </p:cBhvr>
+                                      <p:to>
+                                        <p:strVal val="visible"/>
+                                      </p:to>
+                                    </p:set>
+                                    <p:animEffect transition="in" filter="fade">
+                                      <p:cBhvr>
+                                        <p:cTn id="39" dur="1000"/>
+                                        <p:tgtEl>
+                                          <p:spTgt spid="15"/>
+                                        </p:tgtEl>
+                                      </p:cBhvr>
+                                    </p:animEffect>
+                                    <p:anim calcmode="lin" valueType="num">
+                                      <p:cBhvr>
+                                        <p:cTn id="40" dur="1000" fill="hold"/>
+                                        <p:tgtEl>
+                                          <p:spTgt spid="15"/>
+                                        </p:tgtEl>
+                                        <p:attrNameLst>
+                                          <p:attrName>ppt_x</p:attrName>
+                                        </p:attrNameLst>
+                                      </p:cBhvr>
+                                      <p:tavLst>
+                                        <p:tav tm="0">
+                                          <p:val>
+                                            <p:strVal val="#ppt_x"/>
+                                          </p:val>
+                                        </p:tav>
+                                        <p:tav tm="100000">
+                                          <p:val>
+                                            <p:strVal val="#ppt_x"/>
+                                          </p:val>
+                                        </p:tav>
+                                      </p:tavLst>
+                                    </p:anim>
+                                    <p:anim calcmode="lin" valueType="num">
+                                      <p:cBhvr>
+                                        <p:cTn id="41" dur="1000" fill="hold"/>
+                                        <p:tgtEl>
+                                          <p:spTgt spid="15"/>
+                                        </p:tgtEl>
+                                        <p:attrNameLst>
+                                          <p:attrName>ppt_y</p:attrName>
+                                        </p:attrNameLst>
+                                      </p:cBhvr>
+                                      <p:tavLst>
+                                        <p:tav tm="0">
+                                          <p:val>
+                                            <p:strVal val="#ppt_y+.1"/>
+                                          </p:val>
+                                        </p:tav>
+                                        <p:tav tm="100000">
+                                          <p:val>
+                                            <p:strVal val="#ppt_y"/>
+                                          </p:val>
+                                        </p:tav>
+                                      </p:tavLst>
+                                    </p:anim>
+                                  </p:childTnLst>
+                                </p:cTn>
+                              </p:par>
+                              <p:par>
+                                <p:cTn id="42" presetID="42" presetClass="entr" presetSubtype="0" fill="hold" grpId="0" nodeType="withEffect">
+                                  <p:stCondLst>
+                                    <p:cond delay="0"/>
+                                  </p:stCondLst>
+                                  <p:childTnLst>
+                                    <p:set>
+                                      <p:cBhvr>
+                                        <p:cTn id="43" dur="1" fill="hold">
+                                          <p:stCondLst>
+                                            <p:cond delay="0"/>
+                                          </p:stCondLst>
+                                        </p:cTn>
+                                        <p:tgtEl>
+                                          <p:spTgt spid="16"/>
+                                        </p:tgtEl>
+                                        <p:attrNameLst>
+                                          <p:attrName>style.visibility</p:attrName>
+                                        </p:attrNameLst>
+                                      </p:cBhvr>
+                                      <p:to>
+                                        <p:strVal val="visible"/>
+                                      </p:to>
+                                    </p:set>
+                                    <p:animEffect transition="in" filter="fade">
+                                      <p:cBhvr>
+                                        <p:cTn id="44" dur="1000"/>
+                                        <p:tgtEl>
+                                          <p:spTgt spid="16"/>
+                                        </p:tgtEl>
+                                      </p:cBhvr>
+                                    </p:animEffect>
+                                    <p:anim calcmode="lin" valueType="num">
+                                      <p:cBhvr>
+                                        <p:cTn id="45" dur="1000" fill="hold"/>
+                                        <p:tgtEl>
+                                          <p:spTgt spid="16"/>
+                                        </p:tgtEl>
+                                        <p:attrNameLst>
+                                          <p:attrName>ppt_x</p:attrName>
+                                        </p:attrNameLst>
+                                      </p:cBhvr>
+                                      <p:tavLst>
+                                        <p:tav tm="0">
+                                          <p:val>
+                                            <p:strVal val="#ppt_x"/>
+                                          </p:val>
+                                        </p:tav>
+                                        <p:tav tm="100000">
+                                          <p:val>
+                                            <p:strVal val="#ppt_x"/>
+                                          </p:val>
+                                        </p:tav>
+                                      </p:tavLst>
+                                    </p:anim>
+                                    <p:anim calcmode="lin" valueType="num">
+                                      <p:cBhvr>
+                                        <p:cTn id="46" dur="1000" fill="hold"/>
+                                        <p:tgtEl>
+                                          <p:spTgt spid="16"/>
+                                        </p:tgtEl>
+                                        <p:attrNameLst>
+                                          <p:attrName>ppt_y</p:attrName>
+                                        </p:attrNameLst>
+                                      </p:cBhvr>
+                                      <p:tavLst>
+                                        <p:tav tm="0">
+                                          <p:val>
+                                            <p:strVal val="#ppt_y+.1"/>
+                                          </p:val>
+                                        </p:tav>
+                                        <p:tav tm="100000">
+                                          <p:val>
+                                            <p:strVal val="#ppt_y"/>
+                                          </p:val>
+                                        </p:tav>
+                                      </p:tavLst>
+                                    </p:anim>
+                                  </p:childTnLst>
+                                </p:cTn>
+                              </p:par>
+                            </p:childTnLst>
+                          </p:cTn>
+                        </p:par>
+                      </p:childTnLst>
+                    </p:cTn>
+                  </p:par>
+                  <p:par>
+                    <p:cTn id="47" fill="hold">
+                      <p:stCondLst>
+                        <p:cond delay="indefinite"/>
+                      </p:stCondLst>
+                      <p:childTnLst>
+                        <p:par>
+                          <p:cTn id="48" fill="hold">
+                            <p:stCondLst>
+                              <p:cond delay="0"/>
+                            </p:stCondLst>
+                            <p:childTnLst>
+                              <p:par>
+                                <p:cTn id="49" presetID="14" presetClass="entr" presetSubtype="10" fill="hold" grpId="0" nodeType="clickEffect">
+                                  <p:stCondLst>
+                                    <p:cond delay="0"/>
+                                  </p:stCondLst>
+                                  <p:childTnLst>
+                                    <p:set>
+                                      <p:cBhvr>
+                                        <p:cTn id="50" dur="1" fill="hold">
+                                          <p:stCondLst>
+                                            <p:cond delay="0"/>
+                                          </p:stCondLst>
+                                        </p:cTn>
+                                        <p:tgtEl>
+                                          <p:spTgt spid="18"/>
+                                        </p:tgtEl>
+                                        <p:attrNameLst>
+                                          <p:attrName>style.visibility</p:attrName>
+                                        </p:attrNameLst>
+                                      </p:cBhvr>
+                                      <p:to>
+                                        <p:strVal val="visible"/>
+                                      </p:to>
+                                    </p:set>
+                                    <p:animEffect transition="in" filter="randombar(horizontal)">
+                                      <p:cBhvr>
+                                        <p:cTn id="51" dur="500"/>
+                                        <p:tgtEl>
+                                          <p:spTgt spid="18"/>
+                                        </p:tgtEl>
+                                      </p:cBhvr>
+                                    </p:animEffect>
+                                  </p:childTnLst>
+                                </p:cTn>
+                              </p:par>
+                              <p:par>
+                                <p:cTn id="52" presetID="14" presetClass="entr" presetSubtype="10" fill="hold" grpId="0" nodeType="withEffect">
+                                  <p:stCondLst>
+                                    <p:cond delay="0"/>
+                                  </p:stCondLst>
+                                  <p:childTnLst>
+                                    <p:set>
+                                      <p:cBhvr>
+                                        <p:cTn id="53" dur="1" fill="hold">
+                                          <p:stCondLst>
+                                            <p:cond delay="0"/>
+                                          </p:stCondLst>
+                                        </p:cTn>
+                                        <p:tgtEl>
+                                          <p:spTgt spid="17"/>
+                                        </p:tgtEl>
+                                        <p:attrNameLst>
+                                          <p:attrName>style.visibility</p:attrName>
+                                        </p:attrNameLst>
+                                      </p:cBhvr>
+                                      <p:to>
+                                        <p:strVal val="visible"/>
+                                      </p:to>
+                                    </p:set>
+                                    <p:animEffect transition="in" filter="randombar(horizontal)">
+                                      <p:cBhvr>
+                                        <p:cTn id="54" dur="500"/>
+                                        <p:tgtEl>
+                                          <p:spTgt spid="17"/>
+                                        </p:tgtEl>
+                                      </p:cBhvr>
+                                    </p:animEffect>
+                                  </p:childTnLst>
+                                </p:cTn>
+                              </p:par>
+                            </p:childTnLst>
+                          </p:cTn>
+                        </p:par>
+                      </p:childTnLst>
+                    </p:cTn>
+                  </p:par>
+                  <p:par>
+                    <p:cTn id="55" fill="hold">
+                      <p:stCondLst>
+                        <p:cond delay="indefinite"/>
+                      </p:stCondLst>
+                      <p:childTnLst>
+                        <p:par>
+                          <p:cTn id="56" fill="hold">
+                            <p:stCondLst>
+                              <p:cond delay="0"/>
+                            </p:stCondLst>
+                            <p:childTnLst>
+                              <p:par>
+                                <p:cTn id="57" presetID="1" presetClass="emph" presetSubtype="2" fill="hold" nodeType="clickEffect">
+                                  <p:stCondLst>
+                                    <p:cond delay="0"/>
+                                  </p:stCondLst>
+                                  <p:childTnLst>
+                                    <p:animClr clrSpc="rgb" dir="cw">
+                                      <p:cBhvr>
+                                        <p:cTn id="58" dur="2000" fill="hold"/>
+                                        <p:tgtEl>
+                                          <p:spTgt spid="16"/>
+                                        </p:tgtEl>
+                                        <p:attrNameLst>
+                                          <p:attrName>fillcolor</p:attrName>
+                                        </p:attrNameLst>
+                                      </p:cBhvr>
+                                      <p:to>
+                                        <a:schemeClr val="accent2"/>
+                                      </p:to>
+                                    </p:animClr>
+                                    <p:set>
+                                      <p:cBhvr>
+                                        <p:cTn id="59" dur="2000" fill="hold"/>
+                                        <p:tgtEl>
+                                          <p:spTgt spid="16"/>
+                                        </p:tgtEl>
+                                        <p:attrNameLst>
+                                          <p:attrName>fill.type</p:attrName>
+                                        </p:attrNameLst>
+                                      </p:cBhvr>
+                                      <p:to>
+                                        <p:strVal val="solid"/>
+                                      </p:to>
+                                    </p:set>
+                                    <p:set>
+                                      <p:cBhvr>
+                                        <p:cTn id="60" dur="2000" fill="hold"/>
+                                        <p:tgtEl>
+                                          <p:spTgt spid="16"/>
+                                        </p:tgtEl>
+                                        <p:attrNameLst>
+                                          <p:attrName>fill.on</p:attrName>
+                                        </p:attrNameLst>
+                                      </p:cBhvr>
+                                      <p:to>
+                                        <p:strVal val="true"/>
+                                      </p:to>
+                                    </p:set>
+                                  </p:childTnLst>
+                                </p:cTn>
+                              </p:par>
+                            </p:childTnLst>
+                          </p:cTn>
+                        </p:par>
+                      </p:childTnLst>
+                    </p:cTn>
+                  </p:par>
+                </p:childTnLst>
+              </p:cTn>
+              <p:prevCondLst>
+                <p:cond evt="onPrev" delay="0">
+                  <p:tgtEl>
+                    <p:sldTgt/>
+                  </p:tgtEl>
+                </p:cond>
+              </p:prevCondLst>
+              <p:nextCondLst>
+                <p:cond evt="onNext" delay="0">
+                  <p:tgtEl>
+                    <p:sldTgt/>
+                  </p:tgtEl>
+                </p:cond>
+              </p:nextCondLst>
+            </p:seq>
+          </p:childTnLst>
+        </p:cTn>
+      </p:par>
+    </p:tnLst>
+    <p:bldLst>
+      <p:bldP spid="3" grpId="0"/>
+      <p:bldP spid="7" grpId="0"/>
+      <p:bldP spid="9" grpId="0"/>
+      <p:bldP spid="10" grpId="0"/>
+      <p:bldP spid="13" grpId="0"/>
+      <p:bldP spid="14" grpId="0"/>
+      <p:bldP spid="15" grpId="0"/>
+      <p:bldP spid="16" grpId="0"/>
+      <p:bldP spid="17" grpId="0"/>
+      <p:bldP spid="18" grpId="0" animBg="1"/>
+    </p:bldLst>
+  </p:timing>
+</p:sld>
+</file>
+
+<file path=ppt/slides/slide7.xml><?xml version="1.0" encoding="utf-8"?>
+<p:sld xmlns:a="http://schemas.openxmlformats.org/drawingml/2006/main" xmlns:r="http://schemas.openxmlformats.org/officeDocument/2006/relationships" xmlns:p="http://schemas.openxmlformats.org/presentationml/2006/main">
+  <p:cSld>
+    <p:bg>
+      <p:bgPr>
+        <a:blipFill dpi="0" rotWithShape="1">
+          <a:blip r:embed="rId3">
+            <a:alphaModFix amt="99000"/>
+            <a:lum/>
+          </a:blip>
+          <a:srcRect/>
+          <a:stretch>
+            <a:fillRect t="89000" r="85000" b="-1000"/>
+          </a:stretch>
+        </a:blipFill>
+        <a:effectLst/>
+      </p:bgPr>
+    </p:bg>
+    <p:spTree>
+      <p:nvGrpSpPr>
+        <p:cNvPr id="1" name=""/>
+        <p:cNvGrpSpPr/>
+        <p:nvPr/>
+      </p:nvGrpSpPr>
+      <p:grpSpPr>
+        <a:xfrm>
+          <a:off x="0" y="0"/>
+          <a:ext cx="0" cy="0"/>
+          <a:chOff x="0" y="0"/>
+          <a:chExt cx="0" cy="0"/>
+        </a:xfrm>
+      </p:grpSpPr>
+      <p:sp>
+        <p:nvSpPr>
+          <p:cNvPr id="2" name="Title 1">
+            <a:extLst>
+              <a:ext uri="{FF2B5EF4-FFF2-40B4-BE49-F238E27FC236}">
+                <a16:creationId xmlns:a16="http://schemas.microsoft.com/office/drawing/2014/main" id="{6A3DCE86-C2BA-4713-9E7A-73589E8D6CCF}"/>
+              </a:ext>
+            </a:extLst>
+          </p:cNvPr>
+          <p:cNvSpPr>
+            <a:spLocks noGrp="1"/>
+          </p:cNvSpPr>
+          <p:nvPr>
+            <p:ph type="ctrTitle"/>
+          </p:nvPr>
+        </p:nvSpPr>
+        <p:spPr>
+          <a:xfrm>
+            <a:off x="1524000" y="497150"/>
+            <a:ext cx="9144000" cy="718459"/>
+          </a:xfrm>
+        </p:spPr>
+        <p:txBody>
+          <a:bodyPr>
+            <a:normAutofit fontScale="90000"/>
+          </a:bodyPr>
+          <a:lstStyle/>
+          <a:p>
+            <a:r>
+              <a:rPr lang="en-PH" b="1" dirty="0"/>
+              <a:t>Method Overloading</a:t>
+            </a:r>
+          </a:p>
+        </p:txBody>
+      </p:sp>
+      <p:sp>
+        <p:nvSpPr>
+          <p:cNvPr id="4" name="Footer Placeholder 3">
+            <a:extLst>
+              <a:ext uri="{FF2B5EF4-FFF2-40B4-BE49-F238E27FC236}">
+                <a16:creationId xmlns:a16="http://schemas.microsoft.com/office/drawing/2014/main" id="{638E7DE1-45EE-476A-A474-0F3C264AEDA3}"/>
+              </a:ext>
+            </a:extLst>
+          </p:cNvPr>
+          <p:cNvSpPr>
+            <a:spLocks noGrp="1"/>
+          </p:cNvSpPr>
+          <p:nvPr>
+            <p:ph type="ftr" sz="quarter" idx="11"/>
+          </p:nvPr>
+        </p:nvSpPr>
+        <p:spPr>
+          <a:xfrm>
+            <a:off x="0" y="6139541"/>
+            <a:ext cx="12192000" cy="718459"/>
+          </a:xfrm>
+          <a:ln w="28575">
+            <a:solidFill>
+              <a:schemeClr val="accent5">
+                <a:lumMod val="50000"/>
+              </a:schemeClr>
+            </a:solidFill>
+          </a:ln>
+        </p:spPr>
+        <p:txBody>
+          <a:bodyPr/>
+          <a:lstStyle/>
+          <a:p>
+            <a:pPr algn="r"/>
+            <a:r>
+              <a:rPr lang="en-PH" b="1">
+                <a:solidFill>
+                  <a:schemeClr val="tx1"/>
+                </a:solidFill>
+              </a:rPr>
+              <a:t>CCPRGG2L</a:t>
+            </a:r>
+            <a:endParaRPr lang="en-PH" dirty="0"/>
+          </a:p>
+        </p:txBody>
+      </p:sp>
+      <p:sp>
+        <p:nvSpPr>
+          <p:cNvPr id="3" name="TextBox 2">
+            <a:extLst>
+              <a:ext uri="{FF2B5EF4-FFF2-40B4-BE49-F238E27FC236}">
+                <a16:creationId xmlns:a16="http://schemas.microsoft.com/office/drawing/2014/main" id="{94EAE198-2C40-F4EB-E5E5-BEF682E7344E}"/>
+              </a:ext>
+            </a:extLst>
+          </p:cNvPr>
+          <p:cNvSpPr txBox="1"/>
+          <p:nvPr/>
+        </p:nvSpPr>
+        <p:spPr>
+          <a:xfrm>
+            <a:off x="1164660" y="1889689"/>
+            <a:ext cx="1673790" cy="369332"/>
+          </a:xfrm>
+          <a:prstGeom prst="rect">
+            <a:avLst/>
+          </a:prstGeom>
+          <a:noFill/>
+        </p:spPr>
+        <p:txBody>
+          <a:bodyPr wrap="square" rtlCol="0">
+            <a:spAutoFit/>
+          </a:bodyPr>
+          <a:lstStyle/>
+          <a:p>
+            <a:r>
+              <a:rPr lang="en-PH" dirty="0">
+                <a:solidFill>
+                  <a:srgbClr val="7030A0"/>
+                </a:solidFill>
+                <a:latin typeface="Consolas" panose="020B0609020204030204" pitchFamily="49" charset="0"/>
+              </a:rPr>
+              <a:t>class </a:t>
+            </a:r>
+            <a:r>
+              <a:rPr lang="en-PH" dirty="0">
+                <a:solidFill>
+                  <a:srgbClr val="00B0F0"/>
+                </a:solidFill>
+                <a:latin typeface="Consolas" panose="020B0609020204030204" pitchFamily="49" charset="0"/>
+              </a:rPr>
+              <a:t>Math</a:t>
+            </a:r>
+            <a:endParaRPr lang="en-PH" dirty="0">
+              <a:solidFill>
+                <a:srgbClr val="00B0F0"/>
+              </a:solidFill>
+            </a:endParaRPr>
+          </a:p>
+        </p:txBody>
+      </p:sp>
+      <p:sp>
+        <p:nvSpPr>
+          <p:cNvPr id="7" name="TextBox 6">
+            <a:extLst>
+              <a:ext uri="{FF2B5EF4-FFF2-40B4-BE49-F238E27FC236}">
+                <a16:creationId xmlns:a16="http://schemas.microsoft.com/office/drawing/2014/main" id="{AF1A3627-91D7-5E2C-DF35-5C6DE6B5194D}"/>
+              </a:ext>
+            </a:extLst>
+          </p:cNvPr>
+          <p:cNvSpPr txBox="1"/>
+          <p:nvPr/>
+        </p:nvSpPr>
+        <p:spPr>
+          <a:xfrm>
+            <a:off x="2650233" y="1882118"/>
+            <a:ext cx="376433" cy="369332"/>
+          </a:xfrm>
+          <a:prstGeom prst="rect">
+            <a:avLst/>
+          </a:prstGeom>
+          <a:noFill/>
+        </p:spPr>
+        <p:txBody>
+          <a:bodyPr wrap="square" rtlCol="0">
+            <a:spAutoFit/>
+          </a:bodyPr>
+          <a:lstStyle/>
+          <a:p>
+            <a:r>
+              <a:rPr lang="en-PH" dirty="0">
+                <a:latin typeface="Consolas" panose="020B0609020204030204" pitchFamily="49" charset="0"/>
+              </a:rPr>
+              <a:t>{</a:t>
+            </a:r>
+            <a:endParaRPr lang="en-PH" dirty="0"/>
+          </a:p>
+        </p:txBody>
+      </p:sp>
+      <p:sp>
+        <p:nvSpPr>
+          <p:cNvPr id="9" name="TextBox 8">
+            <a:extLst>
+              <a:ext uri="{FF2B5EF4-FFF2-40B4-BE49-F238E27FC236}">
+                <a16:creationId xmlns:a16="http://schemas.microsoft.com/office/drawing/2014/main" id="{42FD2795-6077-49C2-F560-DD966EAEA432}"/>
+              </a:ext>
+            </a:extLst>
+          </p:cNvPr>
+          <p:cNvSpPr txBox="1"/>
+          <p:nvPr/>
+        </p:nvSpPr>
+        <p:spPr>
+          <a:xfrm>
+            <a:off x="1164659" y="4819130"/>
+            <a:ext cx="375781" cy="369332"/>
+          </a:xfrm>
+          <a:prstGeom prst="rect">
+            <a:avLst/>
+          </a:prstGeom>
+          <a:noFill/>
+        </p:spPr>
+        <p:txBody>
+          <a:bodyPr wrap="square" rtlCol="0">
+            <a:spAutoFit/>
+          </a:bodyPr>
+          <a:lstStyle/>
+          <a:p>
+            <a:r>
+              <a:rPr lang="en-PH" dirty="0">
+                <a:latin typeface="Consolas" panose="020B0609020204030204" pitchFamily="49" charset="0"/>
+              </a:rPr>
+              <a:t>}</a:t>
+            </a:r>
+            <a:endParaRPr lang="en-PH" dirty="0"/>
+          </a:p>
+        </p:txBody>
+      </p:sp>
+      <p:sp>
+        <p:nvSpPr>
+          <p:cNvPr id="10" name="TextBox 9">
+            <a:extLst>
+              <a:ext uri="{FF2B5EF4-FFF2-40B4-BE49-F238E27FC236}">
+                <a16:creationId xmlns:a16="http://schemas.microsoft.com/office/drawing/2014/main" id="{F41F6877-C7A4-AC6D-2A5A-AC30ABA08B20}"/>
+              </a:ext>
+            </a:extLst>
+          </p:cNvPr>
+          <p:cNvSpPr txBox="1"/>
+          <p:nvPr/>
+        </p:nvSpPr>
+        <p:spPr>
+          <a:xfrm>
+            <a:off x="1352550" y="2313658"/>
+            <a:ext cx="6159500" cy="1477328"/>
+          </a:xfrm>
+          <a:prstGeom prst="rect">
+            <a:avLst/>
+          </a:prstGeom>
+          <a:noFill/>
+        </p:spPr>
+        <p:txBody>
+          <a:bodyPr wrap="square" rtlCol="0">
+            <a:spAutoFit/>
+          </a:bodyPr>
+          <a:lstStyle/>
+          <a:p>
+            <a:r>
+              <a:rPr lang="en-PH" dirty="0">
+                <a:solidFill>
+                  <a:srgbClr val="7030A0"/>
+                </a:solidFill>
+                <a:latin typeface="Consolas" panose="020B0609020204030204" pitchFamily="49" charset="0"/>
+              </a:rPr>
+              <a:t>public</a:t>
+            </a:r>
+            <a:r>
+              <a:rPr lang="en-PH" dirty="0">
+                <a:latin typeface="Consolas" panose="020B0609020204030204" pitchFamily="49" charset="0"/>
+              </a:rPr>
+              <a:t> </a:t>
+            </a:r>
+            <a:r>
+              <a:rPr lang="en-PH" dirty="0">
+                <a:solidFill>
+                  <a:srgbClr val="00B0F0"/>
+                </a:solidFill>
+                <a:latin typeface="Consolas" panose="020B0609020204030204" pitchFamily="49" charset="0"/>
+              </a:rPr>
+              <a:t>void </a:t>
+            </a:r>
+            <a:r>
+              <a:rPr lang="en-PH" dirty="0">
+                <a:solidFill>
+                  <a:srgbClr val="0070C0"/>
+                </a:solidFill>
+                <a:latin typeface="Consolas" panose="020B0609020204030204" pitchFamily="49" charset="0"/>
+              </a:rPr>
+              <a:t>add</a:t>
+            </a:r>
+            <a:r>
+              <a:rPr lang="en-PH" dirty="0">
+                <a:latin typeface="Consolas" panose="020B0609020204030204" pitchFamily="49" charset="0"/>
+              </a:rPr>
+              <a:t>(int a, int b) {</a:t>
+            </a:r>
+          </a:p>
+          <a:p>
+            <a:endParaRPr lang="en-PH" dirty="0">
+              <a:latin typeface="Consolas" panose="020B0609020204030204" pitchFamily="49" charset="0"/>
+            </a:endParaRPr>
+          </a:p>
+          <a:p>
+            <a:r>
+              <a:rPr lang="en-PH" dirty="0">
+                <a:latin typeface="Consolas" panose="020B0609020204030204" pitchFamily="49" charset="0"/>
+              </a:rPr>
+              <a:t>	</a:t>
+            </a:r>
+            <a:r>
+              <a:rPr lang="en-PH" dirty="0" err="1">
+                <a:latin typeface="Consolas" panose="020B0609020204030204" pitchFamily="49" charset="0"/>
+              </a:rPr>
+              <a:t>System.out.print</a:t>
+            </a:r>
+            <a:r>
+              <a:rPr lang="en-PH" dirty="0">
+                <a:latin typeface="Consolas" panose="020B0609020204030204" pitchFamily="49" charset="0"/>
+              </a:rPr>
+              <a:t>(a + b); </a:t>
+            </a:r>
+          </a:p>
+          <a:p>
+            <a:r>
+              <a:rPr lang="en-PH" dirty="0">
+                <a:latin typeface="Consolas" panose="020B0609020204030204" pitchFamily="49" charset="0"/>
+              </a:rPr>
+              <a:t>}</a:t>
+            </a:r>
+          </a:p>
+          <a:p>
+            <a:endParaRPr lang="en-PH" dirty="0"/>
+          </a:p>
+        </p:txBody>
+      </p:sp>
+      <p:sp>
+        <p:nvSpPr>
+          <p:cNvPr id="17" name="TextBox 16">
+            <a:extLst>
+              <a:ext uri="{FF2B5EF4-FFF2-40B4-BE49-F238E27FC236}">
+                <a16:creationId xmlns:a16="http://schemas.microsoft.com/office/drawing/2014/main" id="{45697105-D7BC-9ECD-E05B-B9C8E48C5D47}"/>
+              </a:ext>
+            </a:extLst>
+          </p:cNvPr>
+          <p:cNvSpPr txBox="1"/>
+          <p:nvPr/>
+        </p:nvSpPr>
+        <p:spPr>
+          <a:xfrm>
+            <a:off x="9425837" y="4080345"/>
+            <a:ext cx="2854625" cy="477054"/>
+          </a:xfrm>
+          <a:prstGeom prst="rect">
+            <a:avLst/>
+          </a:prstGeom>
+          <a:noFill/>
+        </p:spPr>
+        <p:txBody>
+          <a:bodyPr wrap="square" rtlCol="0">
+            <a:spAutoFit/>
+          </a:bodyPr>
+          <a:lstStyle/>
+          <a:p>
+            <a:r>
+              <a:rPr lang="en-PH" sz="2500" b="1" dirty="0">
+                <a:solidFill>
+                  <a:srgbClr val="FF0000"/>
+                </a:solidFill>
+              </a:rPr>
+              <a:t>Method overload</a:t>
+            </a:r>
+          </a:p>
+        </p:txBody>
+      </p:sp>
+      <p:sp>
+        <p:nvSpPr>
+          <p:cNvPr id="18" name="Arrow: Left 17">
+            <a:extLst>
+              <a:ext uri="{FF2B5EF4-FFF2-40B4-BE49-F238E27FC236}">
+                <a16:creationId xmlns:a16="http://schemas.microsoft.com/office/drawing/2014/main" id="{740B85B4-5695-081F-7B80-34BBD6729DE7}"/>
+              </a:ext>
+            </a:extLst>
+          </p:cNvPr>
+          <p:cNvSpPr/>
+          <p:nvPr/>
+        </p:nvSpPr>
+        <p:spPr>
+          <a:xfrm>
+            <a:off x="8100251" y="4072767"/>
+            <a:ext cx="978408" cy="484632"/>
+          </a:xfrm>
+          <a:prstGeom prst="leftArrow">
+            <a:avLst/>
+          </a:prstGeom>
+        </p:spPr>
+        <p:style>
+          <a:lnRef idx="2">
+            <a:schemeClr val="accent1">
+              <a:shade val="50000"/>
+            </a:schemeClr>
+          </a:lnRef>
+          <a:fillRef idx="1">
+            <a:schemeClr val="accent1"/>
+          </a:fillRef>
+          <a:effectRef idx="0">
+            <a:schemeClr val="accent1"/>
+          </a:effectRef>
+          <a:fontRef idx="minor">
+            <a:schemeClr val="lt1"/>
+          </a:fontRef>
+        </p:style>
+        <p:txBody>
+          <a:bodyPr rtlCol="0" anchor="ctr"/>
+          <a:lstStyle/>
+          <a:p>
+            <a:pPr algn="ctr"/>
+            <a:endParaRPr lang="en-PH"/>
+          </a:p>
+        </p:txBody>
+      </p:sp>
+      <p:sp>
+        <p:nvSpPr>
+          <p:cNvPr id="5" name="TextBox 4">
+            <a:extLst>
+              <a:ext uri="{FF2B5EF4-FFF2-40B4-BE49-F238E27FC236}">
+                <a16:creationId xmlns:a16="http://schemas.microsoft.com/office/drawing/2014/main" id="{57132CEF-07C1-C053-EEE0-26F859F76CA3}"/>
+              </a:ext>
+            </a:extLst>
+          </p:cNvPr>
+          <p:cNvSpPr txBox="1"/>
+          <p:nvPr/>
+        </p:nvSpPr>
+        <p:spPr>
+          <a:xfrm>
+            <a:off x="1352550" y="3711664"/>
+            <a:ext cx="6616700" cy="1477328"/>
+          </a:xfrm>
+          <a:prstGeom prst="rect">
+            <a:avLst/>
+          </a:prstGeom>
+          <a:noFill/>
+        </p:spPr>
+        <p:txBody>
+          <a:bodyPr wrap="square" rtlCol="0">
+            <a:spAutoFit/>
+          </a:bodyPr>
+          <a:lstStyle/>
+          <a:p>
+            <a:r>
+              <a:rPr lang="en-PH" dirty="0">
+                <a:solidFill>
+                  <a:srgbClr val="7030A0"/>
+                </a:solidFill>
+                <a:latin typeface="Consolas" panose="020B0609020204030204" pitchFamily="49" charset="0"/>
+              </a:rPr>
+              <a:t>public</a:t>
+            </a:r>
+            <a:r>
+              <a:rPr lang="en-PH" dirty="0">
+                <a:latin typeface="Consolas" panose="020B0609020204030204" pitchFamily="49" charset="0"/>
+              </a:rPr>
+              <a:t> </a:t>
+            </a:r>
+            <a:r>
+              <a:rPr lang="en-PH" dirty="0">
+                <a:solidFill>
+                  <a:srgbClr val="00B0F0"/>
+                </a:solidFill>
+                <a:latin typeface="Consolas" panose="020B0609020204030204" pitchFamily="49" charset="0"/>
+              </a:rPr>
+              <a:t>void </a:t>
+            </a:r>
+            <a:r>
+              <a:rPr lang="en-PH" dirty="0">
+                <a:solidFill>
+                  <a:srgbClr val="0070C0"/>
+                </a:solidFill>
+                <a:latin typeface="Consolas" panose="020B0609020204030204" pitchFamily="49" charset="0"/>
+              </a:rPr>
+              <a:t>add</a:t>
+            </a:r>
+            <a:r>
+              <a:rPr lang="en-PH" dirty="0">
+                <a:latin typeface="Consolas" panose="020B0609020204030204" pitchFamily="49" charset="0"/>
+              </a:rPr>
+              <a:t>(double a, double b) {</a:t>
+            </a:r>
+          </a:p>
+          <a:p>
+            <a:endParaRPr lang="en-PH" dirty="0">
+              <a:latin typeface="Consolas" panose="020B0609020204030204" pitchFamily="49" charset="0"/>
+            </a:endParaRPr>
+          </a:p>
+          <a:p>
+            <a:r>
+              <a:rPr lang="en-PH" dirty="0">
+                <a:latin typeface="Consolas" panose="020B0609020204030204" pitchFamily="49" charset="0"/>
+              </a:rPr>
+              <a:t>	</a:t>
+            </a:r>
+            <a:r>
+              <a:rPr lang="en-PH" dirty="0" err="1">
+                <a:latin typeface="Consolas" panose="020B0609020204030204" pitchFamily="49" charset="0"/>
+              </a:rPr>
+              <a:t>System.out.print</a:t>
+            </a:r>
+            <a:r>
+              <a:rPr lang="en-PH" dirty="0">
+                <a:latin typeface="Consolas" panose="020B0609020204030204" pitchFamily="49" charset="0"/>
+              </a:rPr>
+              <a:t>(a + b);</a:t>
+            </a:r>
+          </a:p>
+          <a:p>
+            <a:r>
+              <a:rPr lang="en-PH" dirty="0">
+                <a:latin typeface="Consolas" panose="020B0609020204030204" pitchFamily="49" charset="0"/>
+              </a:rPr>
+              <a:t>}</a:t>
+            </a:r>
+          </a:p>
+          <a:p>
+            <a:endParaRPr lang="en-PH" dirty="0"/>
+          </a:p>
+        </p:txBody>
+      </p:sp>
+    </p:spTree>
+    <p:extLst>
+      <p:ext uri="{BB962C8B-B14F-4D97-AF65-F5344CB8AC3E}">
+        <p14:creationId xmlns:p14="http://schemas.microsoft.com/office/powerpoint/2010/main" val="3296622672"/>
+      </p:ext>
+    </p:extLst>
+  </p:cSld>
+  <p:clrMapOvr>
+    <a:masterClrMapping/>
+  </p:clrMapOvr>
+  <p:timing>
+    <p:tnLst>
+      <p:par>
+        <p:cTn id="1" dur="indefinite" restart="never" nodeType="tmRoot">
+          <p:childTnLst>
+            <p:seq concurrent="1" nextAc="seek">
+              <p:cTn id="2" dur="indefinite" nodeType="mainSeq">
+                <p:childTnLst>
+                  <p:par>
+                    <p:cTn id="3" fill="hold">
+                      <p:stCondLst>
+                        <p:cond delay="indefinite"/>
+                      </p:stCondLst>
+                      <p:childTnLst>
+                        <p:par>
+                          <p:cTn id="4" fill="hold">
+                            <p:stCondLst>
+                              <p:cond delay="0"/>
+                            </p:stCondLst>
+                            <p:childTnLst>
+                              <p:par>
+                                <p:cTn id="5" presetID="42" presetClass="entr" presetSubtype="0" fill="hold" grpId="0" nodeType="clickEffect">
+                                  <p:stCondLst>
+                                    <p:cond delay="0"/>
+                                  </p:stCondLst>
+                                  <p:childTnLst>
+                                    <p:set>
+                                      <p:cBhvr>
+                                        <p:cTn id="6" dur="1" fill="hold">
+                                          <p:stCondLst>
+                                            <p:cond delay="0"/>
+                                          </p:stCondLst>
+                                        </p:cTn>
+                                        <p:tgtEl>
+                                          <p:spTgt spid="3"/>
+                                        </p:tgtEl>
+                                        <p:attrNameLst>
+                                          <p:attrName>style.visibility</p:attrName>
+                                        </p:attrNameLst>
+                                      </p:cBhvr>
+                                      <p:to>
+                                        <p:strVal val="visible"/>
+                                      </p:to>
+                                    </p:set>
+                                    <p:animEffect transition="in" filter="fade">
+                                      <p:cBhvr>
+                                        <p:cTn id="7" dur="1000"/>
+                                        <p:tgtEl>
+                                          <p:spTgt spid="3"/>
+                                        </p:tgtEl>
+                                      </p:cBhvr>
+                                    </p:animEffect>
+                                    <p:anim calcmode="lin" valueType="num">
+                                      <p:cBhvr>
+                                        <p:cTn id="8" dur="1000" fill="hold"/>
+                                        <p:tgtEl>
+                                          <p:spTgt spid="3"/>
+                                        </p:tgtEl>
+                                        <p:attrNameLst>
+                                          <p:attrName>ppt_x</p:attrName>
+                                        </p:attrNameLst>
+                                      </p:cBhvr>
+                                      <p:tavLst>
+                                        <p:tav tm="0">
+                                          <p:val>
+                                            <p:strVal val="#ppt_x"/>
+                                          </p:val>
+                                        </p:tav>
+                                        <p:tav tm="100000">
+                                          <p:val>
+                                            <p:strVal val="#ppt_x"/>
+                                          </p:val>
+                                        </p:tav>
+                                      </p:tavLst>
+                                    </p:anim>
+                                    <p:anim calcmode="lin" valueType="num">
+                                      <p:cBhvr>
+                                        <p:cTn id="9" dur="1000" fill="hold"/>
+                                        <p:tgtEl>
+                                          <p:spTgt spid="3"/>
+                                        </p:tgtEl>
+                                        <p:attrNameLst>
+                                          <p:attrName>ppt_y</p:attrName>
+                                        </p:attrNameLst>
+                                      </p:cBhvr>
+                                      <p:tavLst>
+                                        <p:tav tm="0">
+                                          <p:val>
+                                            <p:strVal val="#ppt_y+.1"/>
+                                          </p:val>
+                                        </p:tav>
+                                        <p:tav tm="100000">
+                                          <p:val>
+                                            <p:strVal val="#ppt_y"/>
+                                          </p:val>
+                                        </p:tav>
+                                      </p:tavLst>
+                                    </p:anim>
+                                  </p:childTnLst>
+                                </p:cTn>
+                              </p:par>
+                              <p:par>
+                                <p:cTn id="10" presetID="42" presetClass="entr" presetSubtype="0" fill="hold" grpId="0" nodeType="withEffect">
+                                  <p:stCondLst>
+                                    <p:cond delay="0"/>
+                                  </p:stCondLst>
+                                  <p:childTnLst>
+                                    <p:set>
+                                      <p:cBhvr>
+                                        <p:cTn id="11" dur="1" fill="hold">
+                                          <p:stCondLst>
+                                            <p:cond delay="0"/>
+                                          </p:stCondLst>
+                                        </p:cTn>
+                                        <p:tgtEl>
+                                          <p:spTgt spid="7"/>
+                                        </p:tgtEl>
+                                        <p:attrNameLst>
+                                          <p:attrName>style.visibility</p:attrName>
+                                        </p:attrNameLst>
+                                      </p:cBhvr>
+                                      <p:to>
+                                        <p:strVal val="visible"/>
+                                      </p:to>
+                                    </p:set>
+                                    <p:animEffect transition="in" filter="fade">
+                                      <p:cBhvr>
+                                        <p:cTn id="12" dur="1000"/>
+                                        <p:tgtEl>
+                                          <p:spTgt spid="7"/>
+                                        </p:tgtEl>
+                                      </p:cBhvr>
+                                    </p:animEffect>
+                                    <p:anim calcmode="lin" valueType="num">
+                                      <p:cBhvr>
+                                        <p:cTn id="13" dur="1000" fill="hold"/>
+                                        <p:tgtEl>
+                                          <p:spTgt spid="7"/>
+                                        </p:tgtEl>
+                                        <p:attrNameLst>
+                                          <p:attrName>ppt_x</p:attrName>
+                                        </p:attrNameLst>
+                                      </p:cBhvr>
+                                      <p:tavLst>
+                                        <p:tav tm="0">
+                                          <p:val>
+                                            <p:strVal val="#ppt_x"/>
+                                          </p:val>
+                                        </p:tav>
+                                        <p:tav tm="100000">
+                                          <p:val>
+                                            <p:strVal val="#ppt_x"/>
+                                          </p:val>
+                                        </p:tav>
+                                      </p:tavLst>
+                                    </p:anim>
+                                    <p:anim calcmode="lin" valueType="num">
+                                      <p:cBhvr>
+                                        <p:cTn id="14" dur="1000" fill="hold"/>
+                                        <p:tgtEl>
+                                          <p:spTgt spid="7"/>
+                                        </p:tgtEl>
+                                        <p:attrNameLst>
+                                          <p:attrName>ppt_y</p:attrName>
+                                        </p:attrNameLst>
+                                      </p:cBhvr>
+                                      <p:tavLst>
+                                        <p:tav tm="0">
+                                          <p:val>
+                                            <p:strVal val="#ppt_y+.1"/>
+                                          </p:val>
+                                        </p:tav>
+                                        <p:tav tm="100000">
+                                          <p:val>
+                                            <p:strVal val="#ppt_y"/>
+                                          </p:val>
+                                        </p:tav>
+                                      </p:tavLst>
+                                    </p:anim>
+                                  </p:childTnLst>
+                                </p:cTn>
+                              </p:par>
+                              <p:par>
+                                <p:cTn id="15" presetID="42" presetClass="entr" presetSubtype="0" fill="hold" grpId="0" nodeType="withEffect">
+                                  <p:stCondLst>
+                                    <p:cond delay="0"/>
+                                  </p:stCondLst>
+                                  <p:childTnLst>
+                                    <p:set>
+                                      <p:cBhvr>
+                                        <p:cTn id="16" dur="1" fill="hold">
+                                          <p:stCondLst>
+                                            <p:cond delay="0"/>
+                                          </p:stCondLst>
+                                        </p:cTn>
+                                        <p:tgtEl>
+                                          <p:spTgt spid="9"/>
+                                        </p:tgtEl>
+                                        <p:attrNameLst>
+                                          <p:attrName>style.visibility</p:attrName>
+                                        </p:attrNameLst>
+                                      </p:cBhvr>
+                                      <p:to>
+                                        <p:strVal val="visible"/>
+                                      </p:to>
+                                    </p:set>
+                                    <p:animEffect transition="in" filter="fade">
+                                      <p:cBhvr>
+                                        <p:cTn id="17" dur="1000"/>
+                                        <p:tgtEl>
+                                          <p:spTgt spid="9"/>
+                                        </p:tgtEl>
+                                      </p:cBhvr>
+                                    </p:animEffect>
+                                    <p:anim calcmode="lin" valueType="num">
+                                      <p:cBhvr>
+                                        <p:cTn id="18" dur="1000" fill="hold"/>
+                                        <p:tgtEl>
+                                          <p:spTgt spid="9"/>
+                                        </p:tgtEl>
+                                        <p:attrNameLst>
+                                          <p:attrName>ppt_x</p:attrName>
+                                        </p:attrNameLst>
+                                      </p:cBhvr>
+                                      <p:tavLst>
+                                        <p:tav tm="0">
+                                          <p:val>
+                                            <p:strVal val="#ppt_x"/>
+                                          </p:val>
+                                        </p:tav>
+                                        <p:tav tm="100000">
+                                          <p:val>
+                                            <p:strVal val="#ppt_x"/>
+                                          </p:val>
+                                        </p:tav>
+                                      </p:tavLst>
+                                    </p:anim>
+                                    <p:anim calcmode="lin" valueType="num">
+                                      <p:cBhvr>
+                                        <p:cTn id="19" dur="1000" fill="hold"/>
+                                        <p:tgtEl>
+                                          <p:spTgt spid="9"/>
+                                        </p:tgtEl>
+                                        <p:attrNameLst>
+                                          <p:attrName>ppt_y</p:attrName>
+                                        </p:attrNameLst>
+                                      </p:cBhvr>
+                                      <p:tavLst>
+                                        <p:tav tm="0">
+                                          <p:val>
+                                            <p:strVal val="#ppt_y+.1"/>
+                                          </p:val>
+                                        </p:tav>
+                                        <p:tav tm="100000">
+                                          <p:val>
+                                            <p:strVal val="#ppt_y"/>
+                                          </p:val>
+                                        </p:tav>
+                                      </p:tavLst>
+                                    </p:anim>
+                                  </p:childTnLst>
+                                </p:cTn>
+                              </p:par>
+                              <p:par>
+                                <p:cTn id="20" presetID="42" presetClass="entr" presetSubtype="0" fill="hold" grpId="0" nodeType="withEffect">
+                                  <p:stCondLst>
+                                    <p:cond delay="0"/>
+                                  </p:stCondLst>
+                                  <p:childTnLst>
+                                    <p:set>
+                                      <p:cBhvr>
+                                        <p:cTn id="21" dur="1" fill="hold">
+                                          <p:stCondLst>
+                                            <p:cond delay="0"/>
+                                          </p:stCondLst>
+                                        </p:cTn>
+                                        <p:tgtEl>
+                                          <p:spTgt spid="10"/>
+                                        </p:tgtEl>
+                                        <p:attrNameLst>
+                                          <p:attrName>style.visibility</p:attrName>
+                                        </p:attrNameLst>
+                                      </p:cBhvr>
+                                      <p:to>
+                                        <p:strVal val="visible"/>
+                                      </p:to>
+                                    </p:set>
+                                    <p:animEffect transition="in" filter="fade">
+                                      <p:cBhvr>
+                                        <p:cTn id="22" dur="1000"/>
+                                        <p:tgtEl>
+                                          <p:spTgt spid="10"/>
+                                        </p:tgtEl>
+                                      </p:cBhvr>
+                                    </p:animEffect>
+                                    <p:anim calcmode="lin" valueType="num">
+                                      <p:cBhvr>
+                                        <p:cTn id="23" dur="1000" fill="hold"/>
+                                        <p:tgtEl>
+                                          <p:spTgt spid="10"/>
+                                        </p:tgtEl>
+                                        <p:attrNameLst>
+                                          <p:attrName>ppt_x</p:attrName>
+                                        </p:attrNameLst>
+                                      </p:cBhvr>
+                                      <p:tavLst>
+                                        <p:tav tm="0">
+                                          <p:val>
+                                            <p:strVal val="#ppt_x"/>
+                                          </p:val>
+                                        </p:tav>
+                                        <p:tav tm="100000">
+                                          <p:val>
+                                            <p:strVal val="#ppt_x"/>
+                                          </p:val>
+                                        </p:tav>
+                                      </p:tavLst>
+                                    </p:anim>
+                                    <p:anim calcmode="lin" valueType="num">
+                                      <p:cBhvr>
+                                        <p:cTn id="24" dur="1000" fill="hold"/>
+                                        <p:tgtEl>
+                                          <p:spTgt spid="10"/>
+                                        </p:tgtEl>
+                                        <p:attrNameLst>
+                                          <p:attrName>ppt_y</p:attrName>
+                                        </p:attrNameLst>
+                                      </p:cBhvr>
+                                      <p:tavLst>
+                                        <p:tav tm="0">
+                                          <p:val>
+                                            <p:strVal val="#ppt_y+.1"/>
+                                          </p:val>
+                                        </p:tav>
+                                        <p:tav tm="100000">
+                                          <p:val>
+                                            <p:strVal val="#ppt_y"/>
+                                          </p:val>
+                                        </p:tav>
+                                      </p:tavLst>
+                                    </p:anim>
+                                  </p:childTnLst>
+                                </p:cTn>
+                              </p:par>
+                            </p:childTnLst>
+                          </p:cTn>
+                        </p:par>
+                      </p:childTnLst>
+                    </p:cTn>
+                  </p:par>
+                  <p:par>
+                    <p:cTn id="25" fill="hold">
+                      <p:stCondLst>
+                        <p:cond delay="indefinite"/>
+                      </p:stCondLst>
+                      <p:childTnLst>
+                        <p:par>
+                          <p:cTn id="26" fill="hold">
+                            <p:stCondLst>
+                              <p:cond delay="0"/>
+                            </p:stCondLst>
+                            <p:childTnLst>
+                              <p:par>
+                                <p:cTn id="27" presetID="14" presetClass="entr" presetSubtype="10" fill="hold" grpId="0" nodeType="clickEffect">
+                                  <p:stCondLst>
+                                    <p:cond delay="0"/>
+                                  </p:stCondLst>
+                                  <p:childTnLst>
+                                    <p:set>
+                                      <p:cBhvr>
+                                        <p:cTn id="28" dur="1" fill="hold">
+                                          <p:stCondLst>
+                                            <p:cond delay="0"/>
+                                          </p:stCondLst>
+                                        </p:cTn>
+                                        <p:tgtEl>
+                                          <p:spTgt spid="18"/>
+                                        </p:tgtEl>
+                                        <p:attrNameLst>
+                                          <p:attrName>style.visibility</p:attrName>
+                                        </p:attrNameLst>
+                                      </p:cBhvr>
+                                      <p:to>
+                                        <p:strVal val="visible"/>
+                                      </p:to>
+                                    </p:set>
+                                    <p:animEffect transition="in" filter="randombar(horizontal)">
+                                      <p:cBhvr>
+                                        <p:cTn id="29" dur="500"/>
+                                        <p:tgtEl>
+                                          <p:spTgt spid="18"/>
+                                        </p:tgtEl>
+                                      </p:cBhvr>
+                                    </p:animEffect>
+                                  </p:childTnLst>
+                                </p:cTn>
+                              </p:par>
+                              <p:par>
+                                <p:cTn id="30" presetID="14" presetClass="entr" presetSubtype="10" fill="hold" grpId="0" nodeType="withEffect">
+                                  <p:stCondLst>
+                                    <p:cond delay="0"/>
+                                  </p:stCondLst>
+                                  <p:childTnLst>
+                                    <p:set>
+                                      <p:cBhvr>
+                                        <p:cTn id="31" dur="1" fill="hold">
+                                          <p:stCondLst>
+                                            <p:cond delay="0"/>
+                                          </p:stCondLst>
+                                        </p:cTn>
+                                        <p:tgtEl>
+                                          <p:spTgt spid="17"/>
+                                        </p:tgtEl>
+                                        <p:attrNameLst>
+                                          <p:attrName>style.visibility</p:attrName>
+                                        </p:attrNameLst>
+                                      </p:cBhvr>
+                                      <p:to>
+                                        <p:strVal val="visible"/>
+                                      </p:to>
+                                    </p:set>
+                                    <p:animEffect transition="in" filter="randombar(horizontal)">
+                                      <p:cBhvr>
+                                        <p:cTn id="32" dur="500"/>
+                                        <p:tgtEl>
+                                          <p:spTgt spid="17"/>
+                                        </p:tgtEl>
+                                      </p:cBhvr>
+                                    </p:animEffect>
+                                  </p:childTnLst>
+                                </p:cTn>
+                              </p:par>
+                              <p:par>
+                                <p:cTn id="33" presetID="42" presetClass="entr" presetSubtype="0" fill="hold" grpId="0" nodeType="withEffect">
+                                  <p:stCondLst>
+                                    <p:cond delay="0"/>
+                                  </p:stCondLst>
+                                  <p:childTnLst>
+                                    <p:set>
+                                      <p:cBhvr>
+                                        <p:cTn id="34" dur="1" fill="hold">
+                                          <p:stCondLst>
+                                            <p:cond delay="0"/>
+                                          </p:stCondLst>
+                                        </p:cTn>
+                                        <p:tgtEl>
+                                          <p:spTgt spid="5"/>
+                                        </p:tgtEl>
+                                        <p:attrNameLst>
+                                          <p:attrName>style.visibility</p:attrName>
+                                        </p:attrNameLst>
+                                      </p:cBhvr>
+                                      <p:to>
+                                        <p:strVal val="visible"/>
+                                      </p:to>
+                                    </p:set>
+                                    <p:animEffect transition="in" filter="fade">
+                                      <p:cBhvr>
+                                        <p:cTn id="35" dur="1000"/>
+                                        <p:tgtEl>
+                                          <p:spTgt spid="5"/>
+                                        </p:tgtEl>
+                                      </p:cBhvr>
+                                    </p:animEffect>
+                                    <p:anim calcmode="lin" valueType="num">
+                                      <p:cBhvr>
+                                        <p:cTn id="36" dur="1000" fill="hold"/>
+                                        <p:tgtEl>
+                                          <p:spTgt spid="5"/>
+                                        </p:tgtEl>
+                                        <p:attrNameLst>
+                                          <p:attrName>ppt_x</p:attrName>
+                                        </p:attrNameLst>
+                                      </p:cBhvr>
+                                      <p:tavLst>
+                                        <p:tav tm="0">
+                                          <p:val>
+                                            <p:strVal val="#ppt_x"/>
+                                          </p:val>
+                                        </p:tav>
+                                        <p:tav tm="100000">
+                                          <p:val>
+                                            <p:strVal val="#ppt_x"/>
+                                          </p:val>
+                                        </p:tav>
+                                      </p:tavLst>
+                                    </p:anim>
+                                    <p:anim calcmode="lin" valueType="num">
+                                      <p:cBhvr>
+                                        <p:cTn id="37" dur="1000" fill="hold"/>
+                                        <p:tgtEl>
+                                          <p:spTgt spid="5"/>
+                                        </p:tgtEl>
+                                        <p:attrNameLst>
+                                          <p:attrName>ppt_y</p:attrName>
+                                        </p:attrNameLst>
+                                      </p:cBhvr>
+                                      <p:tavLst>
+                                        <p:tav tm="0">
+                                          <p:val>
+                                            <p:strVal val="#ppt_y+.1"/>
+                                          </p:val>
+                                        </p:tav>
+                                        <p:tav tm="100000">
+                                          <p:val>
+                                            <p:strVal val="#ppt_y"/>
+                                          </p:val>
+                                        </p:tav>
+                                      </p:tavLst>
+                                    </p:anim>
+                                  </p:childTnLst>
+                                </p:cTn>
+                              </p:par>
+                            </p:childTnLst>
+                          </p:cTn>
+                        </p:par>
+                      </p:childTnLst>
+                    </p:cTn>
+                  </p:par>
+                  <p:par>
+                    <p:cTn id="38" fill="hold">
+                      <p:stCondLst>
+                        <p:cond delay="indefinite"/>
+                      </p:stCondLst>
+                      <p:childTnLst>
+                        <p:par>
+                          <p:cTn id="39" fill="hold">
+                            <p:stCondLst>
+                              <p:cond delay="0"/>
+                            </p:stCondLst>
+                            <p:childTnLst>
+                              <p:par>
+                                <p:cTn id="40" presetID="1" presetClass="emph" presetSubtype="2" fill="hold" nodeType="clickEffect">
+                                  <p:stCondLst>
+                                    <p:cond delay="0"/>
+                                  </p:stCondLst>
+                                  <p:childTnLst>
+                                    <p:animClr clrSpc="rgb" dir="cw">
+                                      <p:cBhvr>
+                                        <p:cTn id="41" dur="2000" fill="hold"/>
+                                        <p:tgtEl>
+                                          <p:spTgt spid="5"/>
+                                        </p:tgtEl>
+                                        <p:attrNameLst>
+                                          <p:attrName>fillcolor</p:attrName>
+                                        </p:attrNameLst>
+                                      </p:cBhvr>
+                                      <p:to>
+                                        <a:schemeClr val="accent2"/>
+                                      </p:to>
+                                    </p:animClr>
+                                    <p:set>
+                                      <p:cBhvr>
+                                        <p:cTn id="42" dur="2000" fill="hold"/>
+                                        <p:tgtEl>
+                                          <p:spTgt spid="5"/>
+                                        </p:tgtEl>
+                                        <p:attrNameLst>
+                                          <p:attrName>fill.type</p:attrName>
+                                        </p:attrNameLst>
+                                      </p:cBhvr>
+                                      <p:to>
+                                        <p:strVal val="solid"/>
+                                      </p:to>
+                                    </p:set>
+                                    <p:set>
+                                      <p:cBhvr>
+                                        <p:cTn id="43" dur="2000" fill="hold"/>
+                                        <p:tgtEl>
+                                          <p:spTgt spid="5"/>
+                                        </p:tgtEl>
+                                        <p:attrNameLst>
+                                          <p:attrName>fill.on</p:attrName>
+                                        </p:attrNameLst>
+                                      </p:cBhvr>
+                                      <p:to>
+                                        <p:strVal val="true"/>
+                                      </p:to>
+                                    </p:set>
+                                  </p:childTnLst>
+                                </p:cTn>
+                              </p:par>
+                            </p:childTnLst>
+                          </p:cTn>
+                        </p:par>
+                      </p:childTnLst>
+                    </p:cTn>
+                  </p:par>
+                </p:childTnLst>
+              </p:cTn>
+              <p:prevCondLst>
+                <p:cond evt="onPrev" delay="0">
+                  <p:tgtEl>
+                    <p:sldTgt/>
+                  </p:tgtEl>
+                </p:cond>
+              </p:prevCondLst>
+              <p:nextCondLst>
+                <p:cond evt="onNext" delay="0">
+                  <p:tgtEl>
+                    <p:sldTgt/>
+                  </p:tgtEl>
+                </p:cond>
+              </p:nextCondLst>
+            </p:seq>
+          </p:childTnLst>
+        </p:cTn>
+      </p:par>
+    </p:tnLst>
+    <p:bldLst>
+      <p:bldP spid="3" grpId="0"/>
+      <p:bldP spid="7" grpId="0"/>
+      <p:bldP spid="9" grpId="0"/>
+      <p:bldP spid="10" grpId="0"/>
+      <p:bldP spid="17" grpId="0"/>
+      <p:bldP spid="18" grpId="0" animBg="1"/>
+      <p:bldP spid="5" grpId="0"/>
+    </p:bldLst>
+  </p:timing>
+</p:sld>
+</file>
+
+<file path=ppt/slides/slide8.xml><?xml version="1.0" encoding="utf-8"?>
+<p:sld xmlns:a="http://schemas.openxmlformats.org/drawingml/2006/main" xmlns:r="http://schemas.openxmlformats.org/officeDocument/2006/relationships" xmlns:p="http://schemas.openxmlformats.org/presentationml/2006/main">
+  <p:cSld>
+    <p:bg>
+      <p:bgPr>
+        <a:blipFill dpi="0" rotWithShape="1">
+          <a:blip r:embed="rId3">
+            <a:alphaModFix amt="99000"/>
+            <a:lum/>
+          </a:blip>
+          <a:srcRect/>
+          <a:stretch>
+            <a:fillRect t="89000" r="85000" b="-1000"/>
+          </a:stretch>
+        </a:blipFill>
+        <a:effectLst/>
+      </p:bgPr>
+    </p:bg>
+    <p:spTree>
+      <p:nvGrpSpPr>
+        <p:cNvPr id="1" name=""/>
+        <p:cNvGrpSpPr/>
+        <p:nvPr/>
+      </p:nvGrpSpPr>
+      <p:grpSpPr>
+        <a:xfrm>
+          <a:off x="0" y="0"/>
+          <a:ext cx="0" cy="0"/>
+          <a:chOff x="0" y="0"/>
+          <a:chExt cx="0" cy="0"/>
+        </a:xfrm>
+      </p:grpSpPr>
+      <p:sp>
+        <p:nvSpPr>
+          <p:cNvPr id="2" name="Title 1">
+            <a:extLst>
+              <a:ext uri="{FF2B5EF4-FFF2-40B4-BE49-F238E27FC236}">
+                <a16:creationId xmlns:a16="http://schemas.microsoft.com/office/drawing/2014/main" id="{6A3DCE86-C2BA-4713-9E7A-73589E8D6CCF}"/>
+              </a:ext>
+            </a:extLst>
+          </p:cNvPr>
+          <p:cNvSpPr>
+            <a:spLocks noGrp="1"/>
+          </p:cNvSpPr>
+          <p:nvPr>
+            <p:ph type="ctrTitle"/>
+          </p:nvPr>
+        </p:nvSpPr>
+        <p:spPr>
+          <a:xfrm>
+            <a:off x="1524000" y="497150"/>
+            <a:ext cx="9144000" cy="718459"/>
+          </a:xfrm>
+        </p:spPr>
+        <p:txBody>
+          <a:bodyPr>
+            <a:normAutofit fontScale="90000"/>
+          </a:bodyPr>
+          <a:lstStyle/>
+          <a:p>
+            <a:r>
+              <a:rPr lang="en-PH" b="1" dirty="0"/>
+              <a:t>Operator Overloading</a:t>
+            </a:r>
+          </a:p>
+        </p:txBody>
+      </p:sp>
+      <p:sp>
+        <p:nvSpPr>
+          <p:cNvPr id="4" name="Footer Placeholder 3">
+            <a:extLst>
+              <a:ext uri="{FF2B5EF4-FFF2-40B4-BE49-F238E27FC236}">
+                <a16:creationId xmlns:a16="http://schemas.microsoft.com/office/drawing/2014/main" id="{638E7DE1-45EE-476A-A474-0F3C264AEDA3}"/>
+              </a:ext>
+            </a:extLst>
+          </p:cNvPr>
+          <p:cNvSpPr>
+            <a:spLocks noGrp="1"/>
+          </p:cNvSpPr>
+          <p:nvPr>
+            <p:ph type="ftr" sz="quarter" idx="11"/>
+          </p:nvPr>
+        </p:nvSpPr>
+        <p:spPr>
+          <a:xfrm>
+            <a:off x="0" y="6139541"/>
+            <a:ext cx="12192000" cy="718459"/>
+          </a:xfrm>
+          <a:ln w="28575">
+            <a:solidFill>
+              <a:schemeClr val="accent5">
+                <a:lumMod val="50000"/>
+              </a:schemeClr>
+            </a:solidFill>
+          </a:ln>
+        </p:spPr>
+        <p:txBody>
+          <a:bodyPr/>
+          <a:lstStyle/>
+          <a:p>
+            <a:pPr algn="r"/>
+            <a:r>
+              <a:rPr lang="en-PH" b="1">
+                <a:solidFill>
+                  <a:schemeClr val="tx1"/>
+                </a:solidFill>
+              </a:rPr>
+              <a:t>CCPRGG2L</a:t>
+            </a:r>
+            <a:endParaRPr lang="en-PH" dirty="0"/>
+          </a:p>
+        </p:txBody>
+      </p:sp>
+      <p:sp>
+        <p:nvSpPr>
+          <p:cNvPr id="3" name="TextBox 2">
+            <a:extLst>
+              <a:ext uri="{FF2B5EF4-FFF2-40B4-BE49-F238E27FC236}">
+                <a16:creationId xmlns:a16="http://schemas.microsoft.com/office/drawing/2014/main" id="{94EAE198-2C40-F4EB-E5E5-BEF682E7344E}"/>
+              </a:ext>
+            </a:extLst>
+          </p:cNvPr>
+          <p:cNvSpPr txBox="1"/>
+          <p:nvPr/>
+        </p:nvSpPr>
+        <p:spPr>
+          <a:xfrm>
+            <a:off x="1405683" y="1622716"/>
+            <a:ext cx="1673790" cy="369332"/>
+          </a:xfrm>
+          <a:prstGeom prst="rect">
+            <a:avLst/>
+          </a:prstGeom>
+          <a:noFill/>
+        </p:spPr>
+        <p:txBody>
+          <a:bodyPr wrap="square" rtlCol="0">
+            <a:spAutoFit/>
+          </a:bodyPr>
+          <a:lstStyle/>
+          <a:p>
+            <a:r>
+              <a:rPr lang="en-PH" dirty="0">
+                <a:solidFill>
+                  <a:srgbClr val="7030A0"/>
+                </a:solidFill>
+                <a:latin typeface="Consolas" panose="020B0609020204030204" pitchFamily="49" charset="0"/>
+              </a:rPr>
+              <a:t>class </a:t>
+            </a:r>
+            <a:r>
+              <a:rPr lang="en-PH" dirty="0">
+                <a:solidFill>
+                  <a:srgbClr val="00B0F0"/>
+                </a:solidFill>
+                <a:latin typeface="Consolas" panose="020B0609020204030204" pitchFamily="49" charset="0"/>
+              </a:rPr>
+              <a:t>App</a:t>
+            </a:r>
+            <a:endParaRPr lang="en-PH" dirty="0">
+              <a:solidFill>
+                <a:srgbClr val="00B0F0"/>
+              </a:solidFill>
+            </a:endParaRPr>
+          </a:p>
+        </p:txBody>
+      </p:sp>
+      <p:sp>
+        <p:nvSpPr>
+          <p:cNvPr id="7" name="TextBox 6">
+            <a:extLst>
+              <a:ext uri="{FF2B5EF4-FFF2-40B4-BE49-F238E27FC236}">
+                <a16:creationId xmlns:a16="http://schemas.microsoft.com/office/drawing/2014/main" id="{AF1A3627-91D7-5E2C-DF35-5C6DE6B5194D}"/>
+              </a:ext>
+            </a:extLst>
+          </p:cNvPr>
+          <p:cNvSpPr txBox="1"/>
+          <p:nvPr/>
+        </p:nvSpPr>
+        <p:spPr>
+          <a:xfrm>
+            <a:off x="2891256" y="1615145"/>
+            <a:ext cx="376433" cy="369332"/>
+          </a:xfrm>
+          <a:prstGeom prst="rect">
+            <a:avLst/>
+          </a:prstGeom>
+          <a:noFill/>
+        </p:spPr>
+        <p:txBody>
+          <a:bodyPr wrap="square" rtlCol="0">
+            <a:spAutoFit/>
+          </a:bodyPr>
+          <a:lstStyle/>
+          <a:p>
+            <a:r>
+              <a:rPr lang="en-PH" dirty="0">
+                <a:latin typeface="Consolas" panose="020B0609020204030204" pitchFamily="49" charset="0"/>
+              </a:rPr>
+              <a:t>{</a:t>
+            </a:r>
+            <a:endParaRPr lang="en-PH" dirty="0"/>
+          </a:p>
+        </p:txBody>
+      </p:sp>
+      <p:sp>
+        <p:nvSpPr>
+          <p:cNvPr id="9" name="TextBox 8">
+            <a:extLst>
+              <a:ext uri="{FF2B5EF4-FFF2-40B4-BE49-F238E27FC236}">
+                <a16:creationId xmlns:a16="http://schemas.microsoft.com/office/drawing/2014/main" id="{42FD2795-6077-49C2-F560-DD966EAEA432}"/>
+              </a:ext>
+            </a:extLst>
+          </p:cNvPr>
+          <p:cNvSpPr txBox="1"/>
+          <p:nvPr/>
+        </p:nvSpPr>
+        <p:spPr>
+          <a:xfrm>
+            <a:off x="1405683" y="5555338"/>
+            <a:ext cx="375781" cy="369332"/>
+          </a:xfrm>
+          <a:prstGeom prst="rect">
+            <a:avLst/>
+          </a:prstGeom>
+          <a:noFill/>
+        </p:spPr>
+        <p:txBody>
+          <a:bodyPr wrap="square" rtlCol="0">
+            <a:spAutoFit/>
+          </a:bodyPr>
+          <a:lstStyle/>
+          <a:p>
+            <a:r>
+              <a:rPr lang="en-PH" dirty="0">
+                <a:latin typeface="Consolas" panose="020B0609020204030204" pitchFamily="49" charset="0"/>
+              </a:rPr>
+              <a:t>}</a:t>
+            </a:r>
+            <a:endParaRPr lang="en-PH" dirty="0"/>
+          </a:p>
+        </p:txBody>
+      </p:sp>
+      <p:sp>
+        <p:nvSpPr>
+          <p:cNvPr id="10" name="TextBox 9">
+            <a:extLst>
+              <a:ext uri="{FF2B5EF4-FFF2-40B4-BE49-F238E27FC236}">
+                <a16:creationId xmlns:a16="http://schemas.microsoft.com/office/drawing/2014/main" id="{F41F6877-C7A4-AC6D-2A5A-AC30ABA08B20}"/>
+              </a:ext>
+            </a:extLst>
+          </p:cNvPr>
+          <p:cNvSpPr txBox="1"/>
+          <p:nvPr/>
+        </p:nvSpPr>
+        <p:spPr>
+          <a:xfrm>
+            <a:off x="1593573" y="2046685"/>
+            <a:ext cx="6159500" cy="3693319"/>
+          </a:xfrm>
+          <a:prstGeom prst="rect">
+            <a:avLst/>
+          </a:prstGeom>
+          <a:noFill/>
+        </p:spPr>
+        <p:txBody>
+          <a:bodyPr wrap="square" rtlCol="0">
+            <a:spAutoFit/>
+          </a:bodyPr>
+          <a:lstStyle/>
+          <a:p>
+            <a:r>
+              <a:rPr lang="en-PH" dirty="0">
+                <a:solidFill>
+                  <a:srgbClr val="7030A0"/>
+                </a:solidFill>
+                <a:latin typeface="Consolas" panose="020B0609020204030204" pitchFamily="49" charset="0"/>
+              </a:rPr>
+              <a:t>public</a:t>
+            </a:r>
+            <a:r>
+              <a:rPr lang="en-PH" dirty="0">
+                <a:latin typeface="Consolas" panose="020B0609020204030204" pitchFamily="49" charset="0"/>
+              </a:rPr>
+              <a:t> static </a:t>
+            </a:r>
+            <a:r>
+              <a:rPr lang="en-PH" dirty="0">
+                <a:solidFill>
+                  <a:srgbClr val="00B0F0"/>
+                </a:solidFill>
+                <a:latin typeface="Consolas" panose="020B0609020204030204" pitchFamily="49" charset="0"/>
+              </a:rPr>
+              <a:t>void </a:t>
+            </a:r>
+            <a:r>
+              <a:rPr lang="en-PH" dirty="0">
+                <a:solidFill>
+                  <a:srgbClr val="0070C0"/>
+                </a:solidFill>
+                <a:latin typeface="Consolas" panose="020B0609020204030204" pitchFamily="49" charset="0"/>
+              </a:rPr>
+              <a:t>main</a:t>
+            </a:r>
+            <a:r>
+              <a:rPr lang="en-PH" dirty="0">
+                <a:latin typeface="Consolas" panose="020B0609020204030204" pitchFamily="49" charset="0"/>
+              </a:rPr>
+              <a:t>(String[] </a:t>
+            </a:r>
+            <a:r>
+              <a:rPr lang="en-PH" dirty="0" err="1">
+                <a:latin typeface="Consolas" panose="020B0609020204030204" pitchFamily="49" charset="0"/>
+              </a:rPr>
+              <a:t>args</a:t>
+            </a:r>
+            <a:r>
+              <a:rPr lang="en-PH" dirty="0">
+                <a:latin typeface="Consolas" panose="020B0609020204030204" pitchFamily="49" charset="0"/>
+              </a:rPr>
+              <a:t>) {</a:t>
+            </a:r>
+          </a:p>
+          <a:p>
+            <a:r>
+              <a:rPr lang="en-PH" dirty="0">
+                <a:latin typeface="Consolas" panose="020B0609020204030204" pitchFamily="49" charset="0"/>
+              </a:rPr>
+              <a:t>	</a:t>
+            </a:r>
+          </a:p>
+          <a:p>
+            <a:r>
+              <a:rPr lang="en-PH" dirty="0">
+                <a:latin typeface="Consolas" panose="020B0609020204030204" pitchFamily="49" charset="0"/>
+              </a:rPr>
+              <a:t>	int x = 1;</a:t>
+            </a:r>
+          </a:p>
+          <a:p>
+            <a:r>
+              <a:rPr lang="en-PH" dirty="0">
+                <a:latin typeface="Consolas" panose="020B0609020204030204" pitchFamily="49" charset="0"/>
+              </a:rPr>
+              <a:t>	int y = 1;</a:t>
+            </a:r>
+          </a:p>
+          <a:p>
+            <a:endParaRPr lang="en-PH" dirty="0">
+              <a:latin typeface="Consolas" panose="020B0609020204030204" pitchFamily="49" charset="0"/>
+            </a:endParaRPr>
+          </a:p>
+          <a:p>
+            <a:r>
+              <a:rPr lang="en-PH" dirty="0">
+                <a:latin typeface="Consolas" panose="020B0609020204030204" pitchFamily="49" charset="0"/>
+              </a:rPr>
+              <a:t>	</a:t>
+            </a:r>
+            <a:r>
+              <a:rPr lang="en-PH" dirty="0" err="1">
+                <a:latin typeface="Consolas" panose="020B0609020204030204" pitchFamily="49" charset="0"/>
+              </a:rPr>
+              <a:t>System.out.print</a:t>
+            </a:r>
+            <a:r>
+              <a:rPr lang="en-PH" dirty="0">
+                <a:latin typeface="Consolas" panose="020B0609020204030204" pitchFamily="49" charset="0"/>
+              </a:rPr>
+              <a:t>(x + y); </a:t>
+            </a:r>
+          </a:p>
+          <a:p>
+            <a:endParaRPr lang="en-PH" dirty="0">
+              <a:latin typeface="Consolas" panose="020B0609020204030204" pitchFamily="49" charset="0"/>
+            </a:endParaRPr>
+          </a:p>
+          <a:p>
+            <a:r>
+              <a:rPr lang="en-PH" dirty="0">
+                <a:latin typeface="Consolas" panose="020B0609020204030204" pitchFamily="49" charset="0"/>
+              </a:rPr>
+              <a:t>	String name;</a:t>
+            </a:r>
+          </a:p>
+          <a:p>
+            <a:r>
+              <a:rPr lang="en-PH" dirty="0">
+                <a:latin typeface="Consolas" panose="020B0609020204030204" pitchFamily="49" charset="0"/>
+              </a:rPr>
+              <a:t>	String surname;</a:t>
+            </a:r>
+          </a:p>
+          <a:p>
+            <a:r>
+              <a:rPr lang="en-PH" dirty="0">
+                <a:latin typeface="Consolas" panose="020B0609020204030204" pitchFamily="49" charset="0"/>
+              </a:rPr>
+              <a:t>	</a:t>
+            </a:r>
+          </a:p>
+          <a:p>
+            <a:r>
+              <a:rPr lang="en-PH" dirty="0">
+                <a:latin typeface="Consolas" panose="020B0609020204030204" pitchFamily="49" charset="0"/>
+              </a:rPr>
+              <a:t>	</a:t>
+            </a:r>
+            <a:r>
+              <a:rPr lang="en-PH" dirty="0" err="1">
+                <a:latin typeface="Consolas" panose="020B0609020204030204" pitchFamily="49" charset="0"/>
+              </a:rPr>
+              <a:t>System.out.print</a:t>
+            </a:r>
+            <a:r>
+              <a:rPr lang="en-PH" dirty="0">
+                <a:latin typeface="Consolas" panose="020B0609020204030204" pitchFamily="49" charset="0"/>
+              </a:rPr>
+              <a:t>(name + surname); </a:t>
+            </a:r>
+          </a:p>
+          <a:p>
+            <a:r>
+              <a:rPr lang="en-PH" dirty="0">
+                <a:latin typeface="Consolas" panose="020B0609020204030204" pitchFamily="49" charset="0"/>
+              </a:rPr>
+              <a:t>}</a:t>
+            </a:r>
+          </a:p>
+          <a:p>
+            <a:endParaRPr lang="en-PH" dirty="0"/>
+          </a:p>
+        </p:txBody>
+      </p:sp>
+      <p:sp>
+        <p:nvSpPr>
+          <p:cNvPr id="17" name="TextBox 16">
+            <a:extLst>
+              <a:ext uri="{FF2B5EF4-FFF2-40B4-BE49-F238E27FC236}">
+                <a16:creationId xmlns:a16="http://schemas.microsoft.com/office/drawing/2014/main" id="{45697105-D7BC-9ECD-E05B-B9C8E48C5D47}"/>
+              </a:ext>
+            </a:extLst>
+          </p:cNvPr>
+          <p:cNvSpPr txBox="1"/>
+          <p:nvPr/>
+        </p:nvSpPr>
+        <p:spPr>
+          <a:xfrm>
+            <a:off x="9078659" y="4766145"/>
+            <a:ext cx="2854625" cy="477054"/>
+          </a:xfrm>
+          <a:prstGeom prst="rect">
+            <a:avLst/>
+          </a:prstGeom>
+          <a:noFill/>
+        </p:spPr>
+        <p:txBody>
+          <a:bodyPr wrap="square" rtlCol="0">
+            <a:spAutoFit/>
+          </a:bodyPr>
+          <a:lstStyle/>
+          <a:p>
+            <a:r>
+              <a:rPr lang="en-PH" sz="2500" b="1" dirty="0">
+                <a:solidFill>
+                  <a:srgbClr val="FF0000"/>
+                </a:solidFill>
+              </a:rPr>
+              <a:t>Operator overload</a:t>
+            </a:r>
+          </a:p>
+        </p:txBody>
+      </p:sp>
+      <p:sp>
+        <p:nvSpPr>
+          <p:cNvPr id="18" name="Arrow: Left 17">
+            <a:extLst>
+              <a:ext uri="{FF2B5EF4-FFF2-40B4-BE49-F238E27FC236}">
+                <a16:creationId xmlns:a16="http://schemas.microsoft.com/office/drawing/2014/main" id="{740B85B4-5695-081F-7B80-34BBD6729DE7}"/>
+              </a:ext>
+            </a:extLst>
+          </p:cNvPr>
+          <p:cNvSpPr/>
+          <p:nvPr/>
+        </p:nvSpPr>
+        <p:spPr>
+          <a:xfrm>
+            <a:off x="7753073" y="4758567"/>
+            <a:ext cx="978408" cy="484632"/>
+          </a:xfrm>
+          <a:prstGeom prst="leftArrow">
+            <a:avLst/>
+          </a:prstGeom>
+        </p:spPr>
+        <p:style>
+          <a:lnRef idx="2">
+            <a:schemeClr val="accent1">
+              <a:shade val="50000"/>
+            </a:schemeClr>
+          </a:lnRef>
+          <a:fillRef idx="1">
+            <a:schemeClr val="accent1"/>
+          </a:fillRef>
+          <a:effectRef idx="0">
+            <a:schemeClr val="accent1"/>
+          </a:effectRef>
+          <a:fontRef idx="minor">
+            <a:schemeClr val="lt1"/>
+          </a:fontRef>
+        </p:style>
+        <p:txBody>
+          <a:bodyPr rtlCol="0" anchor="ctr"/>
+          <a:lstStyle/>
+          <a:p>
+            <a:pPr algn="ctr"/>
+            <a:endParaRPr lang="en-PH"/>
+          </a:p>
+        </p:txBody>
+      </p:sp>
+    </p:spTree>
+    <p:extLst>
+      <p:ext uri="{BB962C8B-B14F-4D97-AF65-F5344CB8AC3E}">
+        <p14:creationId xmlns:p14="http://schemas.microsoft.com/office/powerpoint/2010/main" val="2385920954"/>
+      </p:ext>
+    </p:extLst>
+  </p:cSld>
+  <p:clrMapOvr>
+    <a:masterClrMapping/>
+  </p:clrMapOvr>
+  <p:timing>
+    <p:tnLst>
+      <p:par>
+        <p:cTn id="1" dur="indefinite" restart="never" nodeType="tmRoot">
+          <p:childTnLst>
+            <p:seq concurrent="1" nextAc="seek">
+              <p:cTn id="2" dur="indefinite" nodeType="mainSeq">
+                <p:childTnLst>
+                  <p:par>
+                    <p:cTn id="3" fill="hold">
+                      <p:stCondLst>
+                        <p:cond delay="indefinite"/>
+                      </p:stCondLst>
+                      <p:childTnLst>
+                        <p:par>
+                          <p:cTn id="4" fill="hold">
+                            <p:stCondLst>
+                              <p:cond delay="0"/>
+                            </p:stCondLst>
+                            <p:childTnLst>
+                              <p:par>
+                                <p:cTn id="5" presetID="42" presetClass="entr" presetSubtype="0" fill="hold" grpId="0" nodeType="clickEffect">
+                                  <p:stCondLst>
+                                    <p:cond delay="0"/>
+                                  </p:stCondLst>
+                                  <p:childTnLst>
+                                    <p:set>
+                                      <p:cBhvr>
+                                        <p:cTn id="6" dur="1" fill="hold">
+                                          <p:stCondLst>
+                                            <p:cond delay="0"/>
+                                          </p:stCondLst>
+                                        </p:cTn>
+                                        <p:tgtEl>
+                                          <p:spTgt spid="3"/>
+                                        </p:tgtEl>
+                                        <p:attrNameLst>
+                                          <p:attrName>style.visibility</p:attrName>
+                                        </p:attrNameLst>
+                                      </p:cBhvr>
+                                      <p:to>
+                                        <p:strVal val="visible"/>
+                                      </p:to>
+                                    </p:set>
+                                    <p:animEffect transition="in" filter="fade">
+                                      <p:cBhvr>
+                                        <p:cTn id="7" dur="1000"/>
+                                        <p:tgtEl>
+                                          <p:spTgt spid="3"/>
+                                        </p:tgtEl>
+                                      </p:cBhvr>
+                                    </p:animEffect>
+                                    <p:anim calcmode="lin" valueType="num">
+                                      <p:cBhvr>
+                                        <p:cTn id="8" dur="1000" fill="hold"/>
+                                        <p:tgtEl>
+                                          <p:spTgt spid="3"/>
+                                        </p:tgtEl>
+                                        <p:attrNameLst>
+                                          <p:attrName>ppt_x</p:attrName>
+                                        </p:attrNameLst>
+                                      </p:cBhvr>
+                                      <p:tavLst>
+                                        <p:tav tm="0">
+                                          <p:val>
+                                            <p:strVal val="#ppt_x"/>
+                                          </p:val>
+                                        </p:tav>
+                                        <p:tav tm="100000">
+                                          <p:val>
+                                            <p:strVal val="#ppt_x"/>
+                                          </p:val>
+                                        </p:tav>
+                                      </p:tavLst>
+                                    </p:anim>
+                                    <p:anim calcmode="lin" valueType="num">
+                                      <p:cBhvr>
+                                        <p:cTn id="9" dur="1000" fill="hold"/>
+                                        <p:tgtEl>
+                                          <p:spTgt spid="3"/>
+                                        </p:tgtEl>
+                                        <p:attrNameLst>
+                                          <p:attrName>ppt_y</p:attrName>
+                                        </p:attrNameLst>
+                                      </p:cBhvr>
+                                      <p:tavLst>
+                                        <p:tav tm="0">
+                                          <p:val>
+                                            <p:strVal val="#ppt_y+.1"/>
+                                          </p:val>
+                                        </p:tav>
+                                        <p:tav tm="100000">
+                                          <p:val>
+                                            <p:strVal val="#ppt_y"/>
+                                          </p:val>
+                                        </p:tav>
+                                      </p:tavLst>
+                                    </p:anim>
+                                  </p:childTnLst>
+                                </p:cTn>
+                              </p:par>
+                              <p:par>
+                                <p:cTn id="10" presetID="42" presetClass="entr" presetSubtype="0" fill="hold" grpId="0" nodeType="withEffect">
+                                  <p:stCondLst>
+                                    <p:cond delay="0"/>
+                                  </p:stCondLst>
+                                  <p:childTnLst>
+                                    <p:set>
+                                      <p:cBhvr>
+                                        <p:cTn id="11" dur="1" fill="hold">
+                                          <p:stCondLst>
+                                            <p:cond delay="0"/>
+                                          </p:stCondLst>
+                                        </p:cTn>
+                                        <p:tgtEl>
+                                          <p:spTgt spid="7"/>
+                                        </p:tgtEl>
+                                        <p:attrNameLst>
+                                          <p:attrName>style.visibility</p:attrName>
+                                        </p:attrNameLst>
+                                      </p:cBhvr>
+                                      <p:to>
+                                        <p:strVal val="visible"/>
+                                      </p:to>
+                                    </p:set>
+                                    <p:animEffect transition="in" filter="fade">
+                                      <p:cBhvr>
+                                        <p:cTn id="12" dur="1000"/>
+                                        <p:tgtEl>
+                                          <p:spTgt spid="7"/>
+                                        </p:tgtEl>
+                                      </p:cBhvr>
+                                    </p:animEffect>
+                                    <p:anim calcmode="lin" valueType="num">
+                                      <p:cBhvr>
+                                        <p:cTn id="13" dur="1000" fill="hold"/>
+                                        <p:tgtEl>
+                                          <p:spTgt spid="7"/>
+                                        </p:tgtEl>
+                                        <p:attrNameLst>
+                                          <p:attrName>ppt_x</p:attrName>
+                                        </p:attrNameLst>
+                                      </p:cBhvr>
+                                      <p:tavLst>
+                                        <p:tav tm="0">
+                                          <p:val>
+                                            <p:strVal val="#ppt_x"/>
+                                          </p:val>
+                                        </p:tav>
+                                        <p:tav tm="100000">
+                                          <p:val>
+                                            <p:strVal val="#ppt_x"/>
+                                          </p:val>
+                                        </p:tav>
+                                      </p:tavLst>
+                                    </p:anim>
+                                    <p:anim calcmode="lin" valueType="num">
+                                      <p:cBhvr>
+                                        <p:cTn id="14" dur="1000" fill="hold"/>
+                                        <p:tgtEl>
+                                          <p:spTgt spid="7"/>
+                                        </p:tgtEl>
+                                        <p:attrNameLst>
+                                          <p:attrName>ppt_y</p:attrName>
+                                        </p:attrNameLst>
+                                      </p:cBhvr>
+                                      <p:tavLst>
+                                        <p:tav tm="0">
+                                          <p:val>
+                                            <p:strVal val="#ppt_y+.1"/>
+                                          </p:val>
+                                        </p:tav>
+                                        <p:tav tm="100000">
+                                          <p:val>
+                                            <p:strVal val="#ppt_y"/>
+                                          </p:val>
+                                        </p:tav>
+                                      </p:tavLst>
+                                    </p:anim>
+                                  </p:childTnLst>
+                                </p:cTn>
+                              </p:par>
+                              <p:par>
+                                <p:cTn id="15" presetID="42" presetClass="entr" presetSubtype="0" fill="hold" grpId="0" nodeType="withEffect">
+                                  <p:stCondLst>
+                                    <p:cond delay="0"/>
+                                  </p:stCondLst>
+                                  <p:childTnLst>
+                                    <p:set>
+                                      <p:cBhvr>
+                                        <p:cTn id="16" dur="1" fill="hold">
+                                          <p:stCondLst>
+                                            <p:cond delay="0"/>
+                                          </p:stCondLst>
+                                        </p:cTn>
+                                        <p:tgtEl>
+                                          <p:spTgt spid="9"/>
+                                        </p:tgtEl>
+                                        <p:attrNameLst>
+                                          <p:attrName>style.visibility</p:attrName>
+                                        </p:attrNameLst>
+                                      </p:cBhvr>
+                                      <p:to>
+                                        <p:strVal val="visible"/>
+                                      </p:to>
+                                    </p:set>
+                                    <p:animEffect transition="in" filter="fade">
+                                      <p:cBhvr>
+                                        <p:cTn id="17" dur="1000"/>
+                                        <p:tgtEl>
+                                          <p:spTgt spid="9"/>
+                                        </p:tgtEl>
+                                      </p:cBhvr>
+                                    </p:animEffect>
+                                    <p:anim calcmode="lin" valueType="num">
+                                      <p:cBhvr>
+                                        <p:cTn id="18" dur="1000" fill="hold"/>
+                                        <p:tgtEl>
+                                          <p:spTgt spid="9"/>
+                                        </p:tgtEl>
+                                        <p:attrNameLst>
+                                          <p:attrName>ppt_x</p:attrName>
+                                        </p:attrNameLst>
+                                      </p:cBhvr>
+                                      <p:tavLst>
+                                        <p:tav tm="0">
+                                          <p:val>
+                                            <p:strVal val="#ppt_x"/>
+                                          </p:val>
+                                        </p:tav>
+                                        <p:tav tm="100000">
+                                          <p:val>
+                                            <p:strVal val="#ppt_x"/>
+                                          </p:val>
+                                        </p:tav>
+                                      </p:tavLst>
+                                    </p:anim>
+                                    <p:anim calcmode="lin" valueType="num">
+                                      <p:cBhvr>
+                                        <p:cTn id="19" dur="1000" fill="hold"/>
+                                        <p:tgtEl>
+                                          <p:spTgt spid="9"/>
+                                        </p:tgtEl>
+                                        <p:attrNameLst>
+                                          <p:attrName>ppt_y</p:attrName>
+                                        </p:attrNameLst>
+                                      </p:cBhvr>
+                                      <p:tavLst>
+                                        <p:tav tm="0">
+                                          <p:val>
+                                            <p:strVal val="#ppt_y+.1"/>
+                                          </p:val>
+                                        </p:tav>
+                                        <p:tav tm="100000">
+                                          <p:val>
+                                            <p:strVal val="#ppt_y"/>
+                                          </p:val>
+                                        </p:tav>
+                                      </p:tavLst>
+                                    </p:anim>
+                                  </p:childTnLst>
+                                </p:cTn>
+                              </p:par>
+                              <p:par>
+                                <p:cTn id="20" presetID="42" presetClass="entr" presetSubtype="0" fill="hold" grpId="0" nodeType="withEffect">
+                                  <p:stCondLst>
+                                    <p:cond delay="0"/>
+                                  </p:stCondLst>
+                                  <p:childTnLst>
+                                    <p:set>
+                                      <p:cBhvr>
+                                        <p:cTn id="21" dur="1" fill="hold">
+                                          <p:stCondLst>
+                                            <p:cond delay="0"/>
+                                          </p:stCondLst>
+                                        </p:cTn>
+                                        <p:tgtEl>
+                                          <p:spTgt spid="10"/>
+                                        </p:tgtEl>
+                                        <p:attrNameLst>
+                                          <p:attrName>style.visibility</p:attrName>
+                                        </p:attrNameLst>
+                                      </p:cBhvr>
+                                      <p:to>
+                                        <p:strVal val="visible"/>
+                                      </p:to>
+                                    </p:set>
+                                    <p:animEffect transition="in" filter="fade">
+                                      <p:cBhvr>
+                                        <p:cTn id="22" dur="1000"/>
+                                        <p:tgtEl>
+                                          <p:spTgt spid="10"/>
+                                        </p:tgtEl>
+                                      </p:cBhvr>
+                                    </p:animEffect>
+                                    <p:anim calcmode="lin" valueType="num">
+                                      <p:cBhvr>
+                                        <p:cTn id="23" dur="1000" fill="hold"/>
+                                        <p:tgtEl>
+                                          <p:spTgt spid="10"/>
+                                        </p:tgtEl>
+                                        <p:attrNameLst>
+                                          <p:attrName>ppt_x</p:attrName>
+                                        </p:attrNameLst>
+                                      </p:cBhvr>
+                                      <p:tavLst>
+                                        <p:tav tm="0">
+                                          <p:val>
+                                            <p:strVal val="#ppt_x"/>
+                                          </p:val>
+                                        </p:tav>
+                                        <p:tav tm="100000">
+                                          <p:val>
+                                            <p:strVal val="#ppt_x"/>
+                                          </p:val>
+                                        </p:tav>
+                                      </p:tavLst>
+                                    </p:anim>
+                                    <p:anim calcmode="lin" valueType="num">
+                                      <p:cBhvr>
+                                        <p:cTn id="24" dur="1000" fill="hold"/>
+                                        <p:tgtEl>
+                                          <p:spTgt spid="10"/>
+                                        </p:tgtEl>
+                                        <p:attrNameLst>
+                                          <p:attrName>ppt_y</p:attrName>
+                                        </p:attrNameLst>
+                                      </p:cBhvr>
+                                      <p:tavLst>
+                                        <p:tav tm="0">
+                                          <p:val>
+                                            <p:strVal val="#ppt_y+.1"/>
+                                          </p:val>
+                                        </p:tav>
+                                        <p:tav tm="100000">
+                                          <p:val>
+                                            <p:strVal val="#ppt_y"/>
+                                          </p:val>
+                                        </p:tav>
+                                      </p:tavLst>
+                                    </p:anim>
+                                  </p:childTnLst>
+                                </p:cTn>
+                              </p:par>
+                            </p:childTnLst>
+                          </p:cTn>
+                        </p:par>
+                      </p:childTnLst>
+                    </p:cTn>
+                  </p:par>
+                  <p:par>
+                    <p:cTn id="25" fill="hold">
+                      <p:stCondLst>
+                        <p:cond delay="indefinite"/>
+                      </p:stCondLst>
+                      <p:childTnLst>
+                        <p:par>
+                          <p:cTn id="26" fill="hold">
+                            <p:stCondLst>
+                              <p:cond delay="0"/>
+                            </p:stCondLst>
+                            <p:childTnLst>
+                              <p:par>
+                                <p:cTn id="27" presetID="14" presetClass="entr" presetSubtype="10" fill="hold" grpId="0" nodeType="clickEffect">
+                                  <p:stCondLst>
+                                    <p:cond delay="0"/>
+                                  </p:stCondLst>
+                                  <p:childTnLst>
+                                    <p:set>
+                                      <p:cBhvr>
+                                        <p:cTn id="28" dur="1" fill="hold">
+                                          <p:stCondLst>
+                                            <p:cond delay="0"/>
+                                          </p:stCondLst>
+                                        </p:cTn>
+                                        <p:tgtEl>
+                                          <p:spTgt spid="18"/>
+                                        </p:tgtEl>
+                                        <p:attrNameLst>
+                                          <p:attrName>style.visibility</p:attrName>
+                                        </p:attrNameLst>
+                                      </p:cBhvr>
+                                      <p:to>
+                                        <p:strVal val="visible"/>
+                                      </p:to>
+                                    </p:set>
+                                    <p:animEffect transition="in" filter="randombar(horizontal)">
+                                      <p:cBhvr>
+                                        <p:cTn id="29" dur="500"/>
+                                        <p:tgtEl>
+                                          <p:spTgt spid="18"/>
+                                        </p:tgtEl>
+                                      </p:cBhvr>
+                                    </p:animEffect>
+                                  </p:childTnLst>
+                                </p:cTn>
+                              </p:par>
+                              <p:par>
+                                <p:cTn id="30" presetID="14" presetClass="entr" presetSubtype="10" fill="hold" grpId="0" nodeType="withEffect">
+                                  <p:stCondLst>
+                                    <p:cond delay="0"/>
+                                  </p:stCondLst>
+                                  <p:childTnLst>
+                                    <p:set>
+                                      <p:cBhvr>
+                                        <p:cTn id="31" dur="1" fill="hold">
+                                          <p:stCondLst>
+                                            <p:cond delay="0"/>
+                                          </p:stCondLst>
+                                        </p:cTn>
+                                        <p:tgtEl>
+                                          <p:spTgt spid="17"/>
+                                        </p:tgtEl>
+                                        <p:attrNameLst>
+                                          <p:attrName>style.visibility</p:attrName>
+                                        </p:attrNameLst>
+                                      </p:cBhvr>
+                                      <p:to>
+                                        <p:strVal val="visible"/>
+                                      </p:to>
+                                    </p:set>
+                                    <p:animEffect transition="in" filter="randombar(horizontal)">
+                                      <p:cBhvr>
+                                        <p:cTn id="32" dur="500"/>
+                                        <p:tgtEl>
+                                          <p:spTgt spid="17"/>
+                                        </p:tgtEl>
+                                      </p:cBhvr>
+                                    </p:animEffect>
+                                  </p:childTnLst>
+                                </p:cTn>
+                              </p:par>
+                            </p:childTnLst>
+                          </p:cTn>
+                        </p:par>
+                      </p:childTnLst>
+                    </p:cTn>
+                  </p:par>
+                </p:childTnLst>
+              </p:cTn>
+              <p:prevCondLst>
+                <p:cond evt="onPrev" delay="0">
+                  <p:tgtEl>
+                    <p:sldTgt/>
+                  </p:tgtEl>
+                </p:cond>
+              </p:prevCondLst>
+              <p:nextCondLst>
+                <p:cond evt="onNext" delay="0">
+                  <p:tgtEl>
+                    <p:sldTgt/>
+                  </p:tgtEl>
+                </p:cond>
+              </p:nextCondLst>
+            </p:seq>
+          </p:childTnLst>
+        </p:cTn>
+      </p:par>
+    </p:tnLst>
+    <p:bldLst>
+      <p:bldP spid="3" grpId="0"/>
+      <p:bldP spid="7" grpId="0"/>
+      <p:bldP spid="9" grpId="0"/>
+      <p:bldP spid="10" grpId="0"/>
+      <p:bldP spid="17" grpId="0"/>
+      <p:bldP spid="18" grpId="0" animBg="1"/>
+    </p:bldLst>
+  </p:timing>
+</p:sld>
+</file>
+
+<file path=ppt/slides/slide9.xml><?xml version="1.0" encoding="utf-8"?>
+<p:sld xmlns:a="http://schemas.openxmlformats.org/drawingml/2006/main" xmlns:r="http://schemas.openxmlformats.org/officeDocument/2006/relationships" xmlns:p="http://schemas.openxmlformats.org/presentationml/2006/main">
+  <p:cSld>
+    <p:bg>
+      <p:bgPr>
+        <a:blipFill dpi="0" rotWithShape="1">
+          <a:blip r:embed="rId3">
+            <a:alphaModFix amt="99000"/>
+            <a:lum/>
+          </a:blip>
+          <a:srcRect/>
+          <a:stretch>
+            <a:fillRect t="89000" r="85000" b="-1000"/>
+          </a:stretch>
+        </a:blipFill>
+        <a:effectLst/>
+      </p:bgPr>
+    </p:bg>
+    <p:spTree>
+      <p:nvGrpSpPr>
+        <p:cNvPr id="1" name=""/>
+        <p:cNvGrpSpPr/>
+        <p:nvPr/>
+      </p:nvGrpSpPr>
+      <p:grpSpPr>
+        <a:xfrm>
+          <a:off x="0" y="0"/>
+          <a:ext cx="0" cy="0"/>
+          <a:chOff x="0" y="0"/>
+          <a:chExt cx="0" cy="0"/>
+        </a:xfrm>
+      </p:grpSpPr>
+      <p:sp>
+        <p:nvSpPr>
+          <p:cNvPr id="2" name="Title 1">
+            <a:extLst>
+              <a:ext uri="{FF2B5EF4-FFF2-40B4-BE49-F238E27FC236}">
+                <a16:creationId xmlns:a16="http://schemas.microsoft.com/office/drawing/2014/main" id="{6A3DCE86-C2BA-4713-9E7A-73589E8D6CCF}"/>
+              </a:ext>
+            </a:extLst>
+          </p:cNvPr>
+          <p:cNvSpPr>
+            <a:spLocks noGrp="1"/>
+          </p:cNvSpPr>
+          <p:nvPr>
+            <p:ph type="ctrTitle"/>
+          </p:nvPr>
+        </p:nvSpPr>
+        <p:spPr>
+          <a:xfrm>
+            <a:off x="1524000" y="497150"/>
+            <a:ext cx="9144000" cy="718459"/>
+          </a:xfrm>
+        </p:spPr>
+        <p:txBody>
+          <a:bodyPr>
+            <a:normAutofit fontScale="90000"/>
+          </a:bodyPr>
+          <a:lstStyle/>
+          <a:p>
+            <a:r>
+              <a:rPr lang="en-PH" b="1" dirty="0"/>
+              <a:t>Why use Polymorphism?</a:t>
+            </a:r>
+          </a:p>
+        </p:txBody>
+      </p:sp>
+      <p:sp>
+        <p:nvSpPr>
+          <p:cNvPr id="4" name="Footer Placeholder 3">
+            <a:extLst>
+              <a:ext uri="{FF2B5EF4-FFF2-40B4-BE49-F238E27FC236}">
+                <a16:creationId xmlns:a16="http://schemas.microsoft.com/office/drawing/2014/main" id="{638E7DE1-45EE-476A-A474-0F3C264AEDA3}"/>
+              </a:ext>
+            </a:extLst>
+          </p:cNvPr>
+          <p:cNvSpPr>
+            <a:spLocks noGrp="1"/>
+          </p:cNvSpPr>
+          <p:nvPr>
+            <p:ph type="ftr" sz="quarter" idx="11"/>
+          </p:nvPr>
+        </p:nvSpPr>
+        <p:spPr>
+          <a:xfrm>
+            <a:off x="0" y="6139541"/>
+            <a:ext cx="12192000" cy="718459"/>
+          </a:xfrm>
+          <a:ln w="28575">
+            <a:solidFill>
+              <a:schemeClr val="accent5">
+                <a:lumMod val="50000"/>
+              </a:schemeClr>
+            </a:solidFill>
+          </a:ln>
+        </p:spPr>
+        <p:txBody>
+          <a:bodyPr/>
+          <a:lstStyle/>
+          <a:p>
+            <a:pPr algn="r"/>
+            <a:r>
+              <a:rPr lang="en-PH" b="1">
+                <a:solidFill>
+                  <a:schemeClr val="tx1"/>
+                </a:solidFill>
+              </a:rPr>
+              <a:t>CCPRGG2L</a:t>
+            </a:r>
+            <a:endParaRPr lang="en-PH" dirty="0"/>
+          </a:p>
+        </p:txBody>
+      </p:sp>
+      <p:graphicFrame>
+        <p:nvGraphicFramePr>
+          <p:cNvPr id="6" name="Table 6">
+            <a:extLst>
+              <a:ext uri="{FF2B5EF4-FFF2-40B4-BE49-F238E27FC236}">
+                <a16:creationId xmlns:a16="http://schemas.microsoft.com/office/drawing/2014/main" id="{60A508C3-44ED-A04D-060B-21D4AA270671}"/>
+              </a:ext>
+            </a:extLst>
+          </p:cNvPr>
+          <p:cNvGraphicFramePr>
+            <a:graphicFrameLocks noGrp="1"/>
+          </p:cNvGraphicFramePr>
+          <p:nvPr>
+            <p:extLst>
+              <p:ext uri="{D42A27DB-BD31-4B8C-83A1-F6EECF244321}">
+                <p14:modId xmlns:p14="http://schemas.microsoft.com/office/powerpoint/2010/main" val="315915240"/>
+              </p:ext>
+            </p:extLst>
+          </p:nvPr>
+        </p:nvGraphicFramePr>
+        <p:xfrm>
+          <a:off x="2032000" y="1968861"/>
+          <a:ext cx="8128000" cy="1656080"/>
+        </p:xfrm>
+        <a:graphic>
+          <a:graphicData uri="http://schemas.openxmlformats.org/drawingml/2006/table">
+            <a:tbl>
+              <a:tblPr firstRow="1" bandRow="1">
+                <a:tableStyleId>{5940675A-B579-460E-94D1-54222C63F5DA}</a:tableStyleId>
+              </a:tblPr>
+              <a:tblGrid>
+                <a:gridCol w="4064000">
+                  <a:extLst>
+                    <a:ext uri="{9D8B030D-6E8A-4147-A177-3AD203B41FA5}">
+                      <a16:colId xmlns:a16="http://schemas.microsoft.com/office/drawing/2014/main" val="3854022481"/>
+                    </a:ext>
+                  </a:extLst>
+                </a:gridCol>
+                <a:gridCol w="4064000">
+                  <a:extLst>
+                    <a:ext uri="{9D8B030D-6E8A-4147-A177-3AD203B41FA5}">
+                      <a16:colId xmlns:a16="http://schemas.microsoft.com/office/drawing/2014/main" val="4041923745"/>
+                    </a:ext>
+                  </a:extLst>
+                </a:gridCol>
+              </a:tblGrid>
+              <a:tr h="370840">
+                <a:tc>
+                  <a:txBody>
+                    <a:bodyPr/>
+                    <a:lstStyle/>
+                    <a:p>
+                      <a:pPr algn="ctr"/>
+                      <a:r>
+                        <a:rPr lang="en-PH" b="1" dirty="0"/>
+                        <a:t>Pros</a:t>
+                      </a:r>
+                    </a:p>
+                  </a:txBody>
+                  <a:tcPr/>
+                </a:tc>
+                <a:tc>
+                  <a:txBody>
+                    <a:bodyPr/>
+                    <a:lstStyle/>
+                    <a:p>
+                      <a:pPr algn="ctr"/>
+                      <a:r>
+                        <a:rPr lang="en-PH" b="1" dirty="0"/>
+                        <a:t>Cons</a:t>
+                      </a:r>
+                    </a:p>
+                  </a:txBody>
+                  <a:tcPr/>
+                </a:tc>
+                <a:extLst>
+                  <a:ext uri="{0D108BD9-81ED-4DB2-BD59-A6C34878D82A}">
+                    <a16:rowId xmlns:a16="http://schemas.microsoft.com/office/drawing/2014/main" val="1009263234"/>
+                  </a:ext>
+                </a:extLst>
+              </a:tr>
+              <a:tr h="370840">
+                <a:tc>
+                  <a:txBody>
+                    <a:bodyPr/>
+                    <a:lstStyle/>
+                    <a:p>
+                      <a:r>
+                        <a:rPr lang="en-PH" dirty="0"/>
+                        <a:t>Code consistency.</a:t>
+                      </a:r>
+                    </a:p>
+                  </a:txBody>
+                  <a:tcPr/>
+                </a:tc>
+                <a:tc>
+                  <a:txBody>
+                    <a:bodyPr/>
+                    <a:lstStyle/>
+                    <a:p>
+                      <a:pPr marL="0" marR="0" lvl="0" indent="0" algn="l" defTabSz="914400" rtl="0" eaLnBrk="1" fontAlgn="auto" latinLnBrk="0" hangingPunct="1">
+                        <a:lnSpc>
+                          <a:spcPct val="100000"/>
+                        </a:lnSpc>
+                        <a:spcBef>
+                          <a:spcPts val="0"/>
+                        </a:spcBef>
+                        <a:spcAft>
+                          <a:spcPts val="0"/>
+                        </a:spcAft>
+                        <a:buClrTx/>
+                        <a:buSzTx/>
+                        <a:buFontTx/>
+                        <a:buNone/>
+                        <a:tabLst/>
+                        <a:defRPr/>
+                      </a:pPr>
+                      <a:r>
+                        <a:rPr lang="en-US" sz="1800" b="0" i="0" kern="1200" dirty="0">
+                          <a:solidFill>
+                            <a:schemeClr val="tx1"/>
+                          </a:solidFill>
+                          <a:effectLst/>
+                          <a:latin typeface="+mn-lt"/>
+                          <a:ea typeface="+mn-ea"/>
+                          <a:cs typeface="+mn-cs"/>
+                        </a:rPr>
+                        <a:t>It tends to reduce the readability of the code.</a:t>
+                      </a:r>
+                    </a:p>
+                    <a:p>
+                      <a:endParaRPr lang="en-PH" dirty="0"/>
+                    </a:p>
+                  </a:txBody>
+                  <a:tcPr/>
+                </a:tc>
+                <a:extLst>
+                  <a:ext uri="{0D108BD9-81ED-4DB2-BD59-A6C34878D82A}">
+                    <a16:rowId xmlns:a16="http://schemas.microsoft.com/office/drawing/2014/main" val="2358868346"/>
+                  </a:ext>
+                </a:extLst>
+              </a:tr>
+              <a:tr h="370840">
+                <a:tc>
+                  <a:txBody>
+                    <a:bodyPr/>
+                    <a:lstStyle/>
+                    <a:p>
+                      <a:r>
+                        <a:rPr lang="en-PH" dirty="0"/>
+                        <a:t>Code reusability.</a:t>
+                      </a:r>
+                    </a:p>
+                  </a:txBody>
+                  <a:tcPr/>
+                </a:tc>
+                <a:tc>
+                  <a:txBody>
+                    <a:bodyPr/>
+                    <a:lstStyle/>
+                    <a:p>
+                      <a:r>
+                        <a:rPr lang="en-PH" dirty="0"/>
+                        <a:t>Challenging to implement.</a:t>
+                      </a:r>
+                    </a:p>
+                  </a:txBody>
+                  <a:tcPr/>
+                </a:tc>
+                <a:extLst>
+                  <a:ext uri="{0D108BD9-81ED-4DB2-BD59-A6C34878D82A}">
+                    <a16:rowId xmlns:a16="http://schemas.microsoft.com/office/drawing/2014/main" val="1224806254"/>
+                  </a:ext>
+                </a:extLst>
+              </a:tr>
+            </a:tbl>
+          </a:graphicData>
+        </a:graphic>
+      </p:graphicFrame>
+    </p:spTree>
+    <p:extLst>
+      <p:ext uri="{BB962C8B-B14F-4D97-AF65-F5344CB8AC3E}">
+        <p14:creationId xmlns:p14="http://schemas.microsoft.com/office/powerpoint/2010/main" val="1913228303"/>
+      </p:ext>
+    </p:extLst>
+  </p:cSld>
+  <p:clrMapOvr>
+    <a:masterClrMapping/>
+  </p:clrMapOvr>
+</p:sld>
+</file>
+
 <file path=ppt/theme/theme1.xml><?xml version="1.0" encoding="utf-8"?>
 <a:theme xmlns:a="http://schemas.openxmlformats.org/drawingml/2006/main" name="Office Theme">
   <a:themeElements>
